--- a/PresentaciónTIII/Presentación EntryMC.pptx
+++ b/PresentaciónTIII/Presentación EntryMC.pptx
@@ -4,6 +4,9 @@
   <p:sldMasterIdLst>
     <p:sldMasterId id="2147483648" r:id="rId1"/>
   </p:sldMasterIdLst>
+  <p:notesMasterIdLst>
+    <p:notesMasterId r:id="rId12"/>
+  </p:notesMasterIdLst>
   <p:sldIdLst>
     <p:sldId id="256" r:id="rId2"/>
     <p:sldId id="259" r:id="rId3"/>
@@ -11,8 +14,10 @@
     <p:sldId id="265" r:id="rId5"/>
     <p:sldId id="266" r:id="rId6"/>
     <p:sldId id="267" r:id="rId7"/>
-    <p:sldId id="268" r:id="rId8"/>
-    <p:sldId id="262" r:id="rId9"/>
+    <p:sldId id="271" r:id="rId8"/>
+    <p:sldId id="269" r:id="rId9"/>
+    <p:sldId id="270" r:id="rId10"/>
+    <p:sldId id="262" r:id="rId11"/>
   </p:sldIdLst>
   <p:sldSz cx="9144000" cy="5143500" type="screen16x9"/>
   <p:notesSz cx="6858000" cy="9144000"/>
@@ -130,6 +135,440 @@
 </p:presentation>
 </file>
 
+<file path=ppt/notesMasters/notesMaster1.xml><?xml version="1.0" encoding="utf-8"?>
+<p:notesMaster xmlns:a="http://schemas.openxmlformats.org/drawingml/2006/main" xmlns:r="http://schemas.openxmlformats.org/officeDocument/2006/relationships" xmlns:p="http://schemas.openxmlformats.org/presentationml/2006/main">
+  <p:cSld>
+    <p:bg>
+      <p:bgRef idx="1001">
+        <a:schemeClr val="bg1"/>
+      </p:bgRef>
+    </p:bg>
+    <p:spTree>
+      <p:nvGrpSpPr>
+        <p:cNvPr id="1" name=""/>
+        <p:cNvGrpSpPr/>
+        <p:nvPr/>
+      </p:nvGrpSpPr>
+      <p:grpSpPr>
+        <a:xfrm>
+          <a:off x="0" y="0"/>
+          <a:ext cx="0" cy="0"/>
+          <a:chOff x="0" y="0"/>
+          <a:chExt cx="0" cy="0"/>
+        </a:xfrm>
+      </p:grpSpPr>
+      <p:sp>
+        <p:nvSpPr>
+          <p:cNvPr id="2" name="Marcador de encabezado 1"/>
+          <p:cNvSpPr>
+            <a:spLocks noGrp="1"/>
+          </p:cNvSpPr>
+          <p:nvPr>
+            <p:ph type="hdr" sz="quarter"/>
+          </p:nvPr>
+        </p:nvSpPr>
+        <p:spPr>
+          <a:xfrm>
+            <a:off x="0" y="0"/>
+            <a:ext cx="2971800" cy="458788"/>
+          </a:xfrm>
+          <a:prstGeom prst="rect">
+            <a:avLst/>
+          </a:prstGeom>
+        </p:spPr>
+        <p:txBody>
+          <a:bodyPr vert="horz" lIns="91440" tIns="45720" rIns="91440" bIns="45720" rtlCol="0"/>
+          <a:lstStyle>
+            <a:lvl1pPr algn="l">
+              <a:defRPr sz="1200"/>
+            </a:lvl1pPr>
+          </a:lstStyle>
+          <a:p>
+            <a:endParaRPr lang="es-CO"/>
+          </a:p>
+        </p:txBody>
+      </p:sp>
+      <p:sp>
+        <p:nvSpPr>
+          <p:cNvPr id="3" name="Marcador de fecha 2"/>
+          <p:cNvSpPr>
+            <a:spLocks noGrp="1"/>
+          </p:cNvSpPr>
+          <p:nvPr>
+            <p:ph type="dt" idx="1"/>
+          </p:nvPr>
+        </p:nvSpPr>
+        <p:spPr>
+          <a:xfrm>
+            <a:off x="3884613" y="0"/>
+            <a:ext cx="2971800" cy="458788"/>
+          </a:xfrm>
+          <a:prstGeom prst="rect">
+            <a:avLst/>
+          </a:prstGeom>
+        </p:spPr>
+        <p:txBody>
+          <a:bodyPr vert="horz" lIns="91440" tIns="45720" rIns="91440" bIns="45720" rtlCol="0"/>
+          <a:lstStyle>
+            <a:lvl1pPr algn="r">
+              <a:defRPr sz="1200"/>
+            </a:lvl1pPr>
+          </a:lstStyle>
+          <a:p>
+            <a:fld id="{D8C1AADE-60F1-445D-B71A-B3C67A91A8C8}" type="datetimeFigureOut">
+              <a:rPr lang="es-CO" smtClean="0"/>
+              <a:t>5/04/2022</a:t>
+            </a:fld>
+            <a:endParaRPr lang="es-CO"/>
+          </a:p>
+        </p:txBody>
+      </p:sp>
+      <p:sp>
+        <p:nvSpPr>
+          <p:cNvPr id="4" name="Marcador de imagen de diapositiva 3"/>
+          <p:cNvSpPr>
+            <a:spLocks noGrp="1" noRot="1" noChangeAspect="1"/>
+          </p:cNvSpPr>
+          <p:nvPr>
+            <p:ph type="sldImg" idx="2"/>
+          </p:nvPr>
+        </p:nvSpPr>
+        <p:spPr>
+          <a:xfrm>
+            <a:off x="685800" y="1143000"/>
+            <a:ext cx="5486400" cy="3086100"/>
+          </a:xfrm>
+          <a:prstGeom prst="rect">
+            <a:avLst/>
+          </a:prstGeom>
+          <a:noFill/>
+          <a:ln w="12700">
+            <a:solidFill>
+              <a:prstClr val="black"/>
+            </a:solidFill>
+          </a:ln>
+        </p:spPr>
+        <p:txBody>
+          <a:bodyPr vert="horz" lIns="91440" tIns="45720" rIns="91440" bIns="45720" rtlCol="0" anchor="ctr"/>
+          <a:lstStyle/>
+          <a:p>
+            <a:endParaRPr lang="es-CO"/>
+          </a:p>
+        </p:txBody>
+      </p:sp>
+      <p:sp>
+        <p:nvSpPr>
+          <p:cNvPr id="5" name="Marcador de notas 4"/>
+          <p:cNvSpPr>
+            <a:spLocks noGrp="1"/>
+          </p:cNvSpPr>
+          <p:nvPr>
+            <p:ph type="body" sz="quarter" idx="3"/>
+          </p:nvPr>
+        </p:nvSpPr>
+        <p:spPr>
+          <a:xfrm>
+            <a:off x="685800" y="4400550"/>
+            <a:ext cx="5486400" cy="3600450"/>
+          </a:xfrm>
+          <a:prstGeom prst="rect">
+            <a:avLst/>
+          </a:prstGeom>
+        </p:spPr>
+        <p:txBody>
+          <a:bodyPr vert="horz" lIns="91440" tIns="45720" rIns="91440" bIns="45720" rtlCol="0"/>
+          <a:lstStyle/>
+          <a:p>
+            <a:pPr lvl="0"/>
+            <a:r>
+              <a:rPr lang="es-ES"/>
+              <a:t>Editar los estilos de texto del patrón</a:t>
+            </a:r>
+          </a:p>
+          <a:p>
+            <a:pPr lvl="1"/>
+            <a:r>
+              <a:rPr lang="es-ES"/>
+              <a:t>Segundo nivel</a:t>
+            </a:r>
+          </a:p>
+          <a:p>
+            <a:pPr lvl="2"/>
+            <a:r>
+              <a:rPr lang="es-ES"/>
+              <a:t>Tercer nivel</a:t>
+            </a:r>
+          </a:p>
+          <a:p>
+            <a:pPr lvl="3"/>
+            <a:r>
+              <a:rPr lang="es-ES"/>
+              <a:t>Cuarto nivel</a:t>
+            </a:r>
+          </a:p>
+          <a:p>
+            <a:pPr lvl="4"/>
+            <a:r>
+              <a:rPr lang="es-ES"/>
+              <a:t>Quinto nivel</a:t>
+            </a:r>
+            <a:endParaRPr lang="es-CO"/>
+          </a:p>
+        </p:txBody>
+      </p:sp>
+      <p:sp>
+        <p:nvSpPr>
+          <p:cNvPr id="6" name="Marcador de pie de página 5"/>
+          <p:cNvSpPr>
+            <a:spLocks noGrp="1"/>
+          </p:cNvSpPr>
+          <p:nvPr>
+            <p:ph type="ftr" sz="quarter" idx="4"/>
+          </p:nvPr>
+        </p:nvSpPr>
+        <p:spPr>
+          <a:xfrm>
+            <a:off x="0" y="8685213"/>
+            <a:ext cx="2971800" cy="458787"/>
+          </a:xfrm>
+          <a:prstGeom prst="rect">
+            <a:avLst/>
+          </a:prstGeom>
+        </p:spPr>
+        <p:txBody>
+          <a:bodyPr vert="horz" lIns="91440" tIns="45720" rIns="91440" bIns="45720" rtlCol="0" anchor="b"/>
+          <a:lstStyle>
+            <a:lvl1pPr algn="l">
+              <a:defRPr sz="1200"/>
+            </a:lvl1pPr>
+          </a:lstStyle>
+          <a:p>
+            <a:endParaRPr lang="es-CO"/>
+          </a:p>
+        </p:txBody>
+      </p:sp>
+      <p:sp>
+        <p:nvSpPr>
+          <p:cNvPr id="7" name="Marcador de número de diapositiva 6"/>
+          <p:cNvSpPr>
+            <a:spLocks noGrp="1"/>
+          </p:cNvSpPr>
+          <p:nvPr>
+            <p:ph type="sldNum" sz="quarter" idx="5"/>
+          </p:nvPr>
+        </p:nvSpPr>
+        <p:spPr>
+          <a:xfrm>
+            <a:off x="3884613" y="8685213"/>
+            <a:ext cx="2971800" cy="458787"/>
+          </a:xfrm>
+          <a:prstGeom prst="rect">
+            <a:avLst/>
+          </a:prstGeom>
+        </p:spPr>
+        <p:txBody>
+          <a:bodyPr vert="horz" lIns="91440" tIns="45720" rIns="91440" bIns="45720" rtlCol="0" anchor="b"/>
+          <a:lstStyle>
+            <a:lvl1pPr algn="r">
+              <a:defRPr sz="1200"/>
+            </a:lvl1pPr>
+          </a:lstStyle>
+          <a:p>
+            <a:fld id="{13110391-1380-45AB-BD9F-CE24D8DACD02}" type="slidenum">
+              <a:rPr lang="es-CO" smtClean="0"/>
+              <a:t>‹Nº›</a:t>
+            </a:fld>
+            <a:endParaRPr lang="es-CO"/>
+          </a:p>
+        </p:txBody>
+      </p:sp>
+    </p:spTree>
+    <p:extLst>
+      <p:ext uri="{BB962C8B-B14F-4D97-AF65-F5344CB8AC3E}">
+        <p14:creationId xmlns:p14="http://schemas.microsoft.com/office/powerpoint/2010/main" val="4028920332"/>
+      </p:ext>
+    </p:extLst>
+  </p:cSld>
+  <p:clrMap bg1="lt1" tx1="dk1" bg2="lt2" tx2="dk2" accent1="accent1" accent2="accent2" accent3="accent3" accent4="accent4" accent5="accent5" accent6="accent6" hlink="hlink" folHlink="folHlink"/>
+  <p:notesStyle>
+    <a:lvl1pPr marL="0" algn="l" defTabSz="914400" rtl="0" eaLnBrk="1" latinLnBrk="0" hangingPunct="1">
+      <a:defRPr sz="1200" kern="1200">
+        <a:solidFill>
+          <a:schemeClr val="tx1"/>
+        </a:solidFill>
+        <a:latin typeface="+mn-lt"/>
+        <a:ea typeface="+mn-ea"/>
+        <a:cs typeface="+mn-cs"/>
+      </a:defRPr>
+    </a:lvl1pPr>
+    <a:lvl2pPr marL="457200" algn="l" defTabSz="914400" rtl="0" eaLnBrk="1" latinLnBrk="0" hangingPunct="1">
+      <a:defRPr sz="1200" kern="1200">
+        <a:solidFill>
+          <a:schemeClr val="tx1"/>
+        </a:solidFill>
+        <a:latin typeface="+mn-lt"/>
+        <a:ea typeface="+mn-ea"/>
+        <a:cs typeface="+mn-cs"/>
+      </a:defRPr>
+    </a:lvl2pPr>
+    <a:lvl3pPr marL="914400" algn="l" defTabSz="914400" rtl="0" eaLnBrk="1" latinLnBrk="0" hangingPunct="1">
+      <a:defRPr sz="1200" kern="1200">
+        <a:solidFill>
+          <a:schemeClr val="tx1"/>
+        </a:solidFill>
+        <a:latin typeface="+mn-lt"/>
+        <a:ea typeface="+mn-ea"/>
+        <a:cs typeface="+mn-cs"/>
+      </a:defRPr>
+    </a:lvl3pPr>
+    <a:lvl4pPr marL="1371600" algn="l" defTabSz="914400" rtl="0" eaLnBrk="1" latinLnBrk="0" hangingPunct="1">
+      <a:defRPr sz="1200" kern="1200">
+        <a:solidFill>
+          <a:schemeClr val="tx1"/>
+        </a:solidFill>
+        <a:latin typeface="+mn-lt"/>
+        <a:ea typeface="+mn-ea"/>
+        <a:cs typeface="+mn-cs"/>
+      </a:defRPr>
+    </a:lvl4pPr>
+    <a:lvl5pPr marL="1828800" algn="l" defTabSz="914400" rtl="0" eaLnBrk="1" latinLnBrk="0" hangingPunct="1">
+      <a:defRPr sz="1200" kern="1200">
+        <a:solidFill>
+          <a:schemeClr val="tx1"/>
+        </a:solidFill>
+        <a:latin typeface="+mn-lt"/>
+        <a:ea typeface="+mn-ea"/>
+        <a:cs typeface="+mn-cs"/>
+      </a:defRPr>
+    </a:lvl5pPr>
+    <a:lvl6pPr marL="2286000" algn="l" defTabSz="914400" rtl="0" eaLnBrk="1" latinLnBrk="0" hangingPunct="1">
+      <a:defRPr sz="1200" kern="1200">
+        <a:solidFill>
+          <a:schemeClr val="tx1"/>
+        </a:solidFill>
+        <a:latin typeface="+mn-lt"/>
+        <a:ea typeface="+mn-ea"/>
+        <a:cs typeface="+mn-cs"/>
+      </a:defRPr>
+    </a:lvl6pPr>
+    <a:lvl7pPr marL="2743200" algn="l" defTabSz="914400" rtl="0" eaLnBrk="1" latinLnBrk="0" hangingPunct="1">
+      <a:defRPr sz="1200" kern="1200">
+        <a:solidFill>
+          <a:schemeClr val="tx1"/>
+        </a:solidFill>
+        <a:latin typeface="+mn-lt"/>
+        <a:ea typeface="+mn-ea"/>
+        <a:cs typeface="+mn-cs"/>
+      </a:defRPr>
+    </a:lvl7pPr>
+    <a:lvl8pPr marL="3200400" algn="l" defTabSz="914400" rtl="0" eaLnBrk="1" latinLnBrk="0" hangingPunct="1">
+      <a:defRPr sz="1200" kern="1200">
+        <a:solidFill>
+          <a:schemeClr val="tx1"/>
+        </a:solidFill>
+        <a:latin typeface="+mn-lt"/>
+        <a:ea typeface="+mn-ea"/>
+        <a:cs typeface="+mn-cs"/>
+      </a:defRPr>
+    </a:lvl8pPr>
+    <a:lvl9pPr marL="3657600" algn="l" defTabSz="914400" rtl="0" eaLnBrk="1" latinLnBrk="0" hangingPunct="1">
+      <a:defRPr sz="1200" kern="1200">
+        <a:solidFill>
+          <a:schemeClr val="tx1"/>
+        </a:solidFill>
+        <a:latin typeface="+mn-lt"/>
+        <a:ea typeface="+mn-ea"/>
+        <a:cs typeface="+mn-cs"/>
+      </a:defRPr>
+    </a:lvl9pPr>
+  </p:notesStyle>
+</p:notesMaster>
+</file>
+
+<file path=ppt/notesSlides/notesSlide1.xml><?xml version="1.0" encoding="utf-8"?>
+<p:notes xmlns:a="http://schemas.openxmlformats.org/drawingml/2006/main" xmlns:r="http://schemas.openxmlformats.org/officeDocument/2006/relationships" xmlns:p="http://schemas.openxmlformats.org/presentationml/2006/main">
+  <p:cSld>
+    <p:spTree>
+      <p:nvGrpSpPr>
+        <p:cNvPr id="1" name=""/>
+        <p:cNvGrpSpPr/>
+        <p:nvPr/>
+      </p:nvGrpSpPr>
+      <p:grpSpPr>
+        <a:xfrm>
+          <a:off x="0" y="0"/>
+          <a:ext cx="0" cy="0"/>
+          <a:chOff x="0" y="0"/>
+          <a:chExt cx="0" cy="0"/>
+        </a:xfrm>
+      </p:grpSpPr>
+      <p:sp>
+        <p:nvSpPr>
+          <p:cNvPr id="2" name="Marcador de imagen de diapositiva 1"/>
+          <p:cNvSpPr>
+            <a:spLocks noGrp="1" noRot="1" noChangeAspect="1"/>
+          </p:cNvSpPr>
+          <p:nvPr>
+            <p:ph type="sldImg"/>
+          </p:nvPr>
+        </p:nvSpPr>
+        <p:spPr/>
+      </p:sp>
+      <p:sp>
+        <p:nvSpPr>
+          <p:cNvPr id="3" name="Marcador de notas 2"/>
+          <p:cNvSpPr>
+            <a:spLocks noGrp="1"/>
+          </p:cNvSpPr>
+          <p:nvPr>
+            <p:ph type="body" idx="1"/>
+          </p:nvPr>
+        </p:nvSpPr>
+        <p:spPr/>
+        <p:txBody>
+          <a:bodyPr/>
+          <a:lstStyle/>
+          <a:p>
+            <a:endParaRPr lang="es-CO" dirty="0"/>
+          </a:p>
+        </p:txBody>
+      </p:sp>
+      <p:sp>
+        <p:nvSpPr>
+          <p:cNvPr id="4" name="Marcador de número de diapositiva 3"/>
+          <p:cNvSpPr>
+            <a:spLocks noGrp="1"/>
+          </p:cNvSpPr>
+          <p:nvPr>
+            <p:ph type="sldNum" sz="quarter" idx="5"/>
+          </p:nvPr>
+        </p:nvSpPr>
+        <p:spPr/>
+        <p:txBody>
+          <a:bodyPr/>
+          <a:lstStyle/>
+          <a:p>
+            <a:fld id="{13110391-1380-45AB-BD9F-CE24D8DACD02}" type="slidenum">
+              <a:rPr lang="es-CO" smtClean="0"/>
+              <a:t>9</a:t>
+            </a:fld>
+            <a:endParaRPr lang="es-CO"/>
+          </a:p>
+        </p:txBody>
+      </p:sp>
+    </p:spTree>
+    <p:extLst>
+      <p:ext uri="{BB962C8B-B14F-4D97-AF65-F5344CB8AC3E}">
+        <p14:creationId xmlns:p14="http://schemas.microsoft.com/office/powerpoint/2010/main" val="2493709204"/>
+      </p:ext>
+    </p:extLst>
+  </p:cSld>
+  <p:clrMapOvr>
+    <a:masterClrMapping/>
+  </p:clrMapOvr>
+</p:notes>
+</file>
+
 <file path=ppt/slideLayouts/slideLayout1.xml><?xml version="1.0" encoding="utf-8"?>
 <p:sldLayout xmlns:a="http://schemas.openxmlformats.org/drawingml/2006/main" xmlns:r="http://schemas.openxmlformats.org/officeDocument/2006/relationships" xmlns:p="http://schemas.openxmlformats.org/presentationml/2006/main" preserve="1" userDrawn="1">
   <p:cSld name="Diapositiva de título">
@@ -299,7 +738,7 @@
           <a:p>
             <a:fld id="{B3030C24-9424-B24A-8613-79990C3AA492}" type="datetimeFigureOut">
               <a:rPr lang="es-ES" smtClean="0"/>
-              <a:t>03/04/2022</a:t>
+              <a:t>05/04/2022</a:t>
             </a:fld>
             <a:endParaRPr lang="es-ES"/>
           </a:p>
@@ -479,7 +918,7 @@
           <a:p>
             <a:fld id="{B3030C24-9424-B24A-8613-79990C3AA492}" type="datetimeFigureOut">
               <a:rPr lang="es-ES" smtClean="0"/>
-              <a:t>03/04/2022</a:t>
+              <a:t>05/04/2022</a:t>
             </a:fld>
             <a:endParaRPr lang="es-ES"/>
           </a:p>
@@ -1116,7 +1555,7 @@
           <a:p>
             <a:fld id="{B3030C24-9424-B24A-8613-79990C3AA492}" type="datetimeFigureOut">
               <a:rPr lang="es-ES" smtClean="0"/>
-              <a:t>03/04/2022</a:t>
+              <a:t>05/04/2022</a:t>
             </a:fld>
             <a:endParaRPr lang="es-ES"/>
           </a:p>
@@ -1369,7 +1808,7 @@
           <a:p>
             <a:fld id="{B3030C24-9424-B24A-8613-79990C3AA492}" type="datetimeFigureOut">
               <a:rPr lang="es-ES" smtClean="0"/>
-              <a:t>03/04/2022</a:t>
+              <a:t>05/04/2022</a:t>
             </a:fld>
             <a:endParaRPr lang="es-ES"/>
           </a:p>
@@ -1582,7 +2021,7 @@
           <a:p>
             <a:fld id="{B3030C24-9424-B24A-8613-79990C3AA492}" type="datetimeFigureOut">
               <a:rPr lang="es-ES" smtClean="0"/>
-              <a:t>03/04/2022</a:t>
+              <a:t>05/04/2022</a:t>
             </a:fld>
             <a:endParaRPr lang="es-ES"/>
           </a:p>
@@ -1997,7 +2436,7 @@
           <a:p>
             <a:pPr algn="r"/>
             <a:r>
-              <a:rPr lang="es-ES" sz="2400" b="1" dirty="0" smtClean="0">
+              <a:rPr lang="es-ES" sz="2400" b="1" dirty="0">
                 <a:solidFill>
                   <a:schemeClr val="tx1">
                     <a:lumMod val="75000"/>
@@ -2009,16 +2448,6 @@
               </a:rPr>
               <a:t>ADSI - 2338321 </a:t>
             </a:r>
-            <a:endParaRPr lang="es-ES" sz="2400" b="1" dirty="0">
-              <a:solidFill>
-                <a:schemeClr val="tx1">
-                  <a:lumMod val="75000"/>
-                  <a:lumOff val="25000"/>
-                </a:schemeClr>
-              </a:solidFill>
-              <a:latin typeface="Roboto" panose="02000000000000000000" pitchFamily="2" charset="0"/>
-              <a:ea typeface="Roboto" panose="02000000000000000000" pitchFamily="2" charset="0"/>
-            </a:endParaRPr>
           </a:p>
           <a:p>
             <a:pPr algn="r"/>
@@ -2141,2025 +2570,10 @@
   <p:clrMapOvr>
     <a:masterClrMapping/>
   </p:clrMapOvr>
-  <p:timing>
-    <p:tnLst>
-      <p:par>
-        <p:cTn id="1" dur="indefinite" restart="never" nodeType="tmRoot"/>
-      </p:par>
-    </p:tnLst>
-  </p:timing>
 </p:sld>
 </file>
 
-<file path=ppt/slides/slide2.xml><?xml version="1.0" encoding="utf-8"?>
-<p:sld xmlns:a="http://schemas.openxmlformats.org/drawingml/2006/main" xmlns:r="http://schemas.openxmlformats.org/officeDocument/2006/relationships" xmlns:p="http://schemas.openxmlformats.org/presentationml/2006/main">
-  <p:cSld>
-    <p:spTree>
-      <p:nvGrpSpPr>
-        <p:cNvPr id="1" name=""/>
-        <p:cNvGrpSpPr/>
-        <p:nvPr/>
-      </p:nvGrpSpPr>
-      <p:grpSpPr>
-        <a:xfrm>
-          <a:off x="0" y="0"/>
-          <a:ext cx="0" cy="0"/>
-          <a:chOff x="0" y="0"/>
-          <a:chExt cx="0" cy="0"/>
-        </a:xfrm>
-      </p:grpSpPr>
-      <p:sp>
-        <p:nvSpPr>
-          <p:cNvPr id="2" name="CuadroTexto 1"/>
-          <p:cNvSpPr txBox="1"/>
-          <p:nvPr/>
-        </p:nvSpPr>
-        <p:spPr>
-          <a:xfrm>
-            <a:off x="794779" y="555030"/>
-            <a:ext cx="2389387" cy="369332"/>
-          </a:xfrm>
-          <a:prstGeom prst="rect">
-            <a:avLst/>
-          </a:prstGeom>
-          <a:noFill/>
-        </p:spPr>
-        <p:txBody>
-          <a:bodyPr wrap="square" rtlCol="0">
-            <a:spAutoFit/>
-          </a:bodyPr>
-          <a:lstStyle/>
-          <a:p>
-            <a:endParaRPr lang="es-ES" dirty="0">
-              <a:solidFill>
-                <a:schemeClr val="tx1">
-                  <a:lumMod val="75000"/>
-                  <a:lumOff val="25000"/>
-                </a:schemeClr>
-              </a:solidFill>
-            </a:endParaRPr>
-          </a:p>
-        </p:txBody>
-      </p:sp>
-      <p:sp>
-        <p:nvSpPr>
-          <p:cNvPr id="5" name="CuadroTexto 4">
-            <a:extLst>
-              <a:ext uri="{FF2B5EF4-FFF2-40B4-BE49-F238E27FC236}">
-                <a16:creationId xmlns:a16="http://schemas.microsoft.com/office/drawing/2014/main" id="{550F382D-5E69-45ED-A7FA-28FFA7034733}"/>
-              </a:ext>
-            </a:extLst>
-          </p:cNvPr>
-          <p:cNvSpPr txBox="1"/>
-          <p:nvPr/>
-        </p:nvSpPr>
-        <p:spPr>
-          <a:xfrm>
-            <a:off x="0" y="739696"/>
-            <a:ext cx="3054927" cy="553998"/>
-          </a:xfrm>
-          <a:prstGeom prst="rect">
-            <a:avLst/>
-          </a:prstGeom>
-          <a:noFill/>
-        </p:spPr>
-        <p:txBody>
-          <a:bodyPr wrap="square" rtlCol="0">
-            <a:spAutoFit/>
-          </a:bodyPr>
-          <a:lstStyle/>
-          <a:p>
-            <a:pPr lvl="1" algn="just"/>
-            <a:r>
-              <a:rPr lang="es-ES" sz="3000" b="1" dirty="0" smtClean="0">
-                <a:solidFill>
-                  <a:schemeClr val="tx1">
-                    <a:lumMod val="75000"/>
-                    <a:lumOff val="25000"/>
-                  </a:schemeClr>
-                </a:solidFill>
-                <a:latin typeface="Roboto" panose="02000000000000000000" pitchFamily="2" charset="0"/>
-                <a:ea typeface="Roboto" panose="02000000000000000000" pitchFamily="2" charset="0"/>
-              </a:rPr>
-              <a:t>Introducción</a:t>
-            </a:r>
-          </a:p>
-        </p:txBody>
-      </p:sp>
-      <p:sp>
-        <p:nvSpPr>
-          <p:cNvPr id="6" name="Rectángulo 5"/>
-          <p:cNvSpPr/>
-          <p:nvPr/>
-        </p:nvSpPr>
-        <p:spPr>
-          <a:xfrm>
-            <a:off x="0" y="942733"/>
-            <a:ext cx="4572000" cy="565539"/>
-          </a:xfrm>
-          <a:prstGeom prst="rect">
-            <a:avLst/>
-          </a:prstGeom>
-        </p:spPr>
-        <p:txBody>
-          <a:bodyPr>
-            <a:spAutoFit/>
-          </a:bodyPr>
-          <a:lstStyle/>
-          <a:p>
-            <a:pPr marL="539750">
-              <a:lnSpc>
-                <a:spcPct val="200000"/>
-              </a:lnSpc>
-              <a:spcAft>
-                <a:spcPts val="0"/>
-              </a:spcAft>
-            </a:pPr>
-            <a:endParaRPr lang="es-CO" kern="100" dirty="0">
-              <a:latin typeface="Roboto" panose="02000000000000000000" pitchFamily="2" charset="0"/>
-              <a:ea typeface="Roboto" panose="02000000000000000000" pitchFamily="2" charset="0"/>
-              <a:cs typeface="Noto Sans Devanagari"/>
-            </a:endParaRPr>
-          </a:p>
-        </p:txBody>
-      </p:sp>
-      <p:pic>
-        <p:nvPicPr>
-          <p:cNvPr id="7" name="Imagen 6"/>
-          <p:cNvPicPr>
-            <a:picLocks noChangeAspect="1"/>
-          </p:cNvPicPr>
-          <p:nvPr/>
-        </p:nvPicPr>
-        <p:blipFill>
-          <a:blip r:embed="rId2">
-            <a:extLst>
-              <a:ext uri="{28A0092B-C50C-407E-A947-70E740481C1C}">
-                <a14:useLocalDpi xmlns:a14="http://schemas.microsoft.com/office/drawing/2010/main" val="0"/>
-              </a:ext>
-            </a:extLst>
-          </a:blip>
-          <a:stretch>
-            <a:fillRect/>
-          </a:stretch>
-        </p:blipFill>
-        <p:spPr>
-          <a:xfrm>
-            <a:off x="5821199" y="1888024"/>
-            <a:ext cx="2896004" cy="1305107"/>
-          </a:xfrm>
-          <a:prstGeom prst="rect">
-            <a:avLst/>
-          </a:prstGeom>
-        </p:spPr>
-      </p:pic>
-      <p:sp>
-        <p:nvSpPr>
-          <p:cNvPr id="8" name="CuadroTexto 7">
-            <a:extLst>
-              <a:ext uri="{FF2B5EF4-FFF2-40B4-BE49-F238E27FC236}">
-                <a16:creationId xmlns:a16="http://schemas.microsoft.com/office/drawing/2014/main" id="{550F382D-5E69-45ED-A7FA-28FFA7034733}"/>
-              </a:ext>
-            </a:extLst>
-          </p:cNvPr>
-          <p:cNvSpPr txBox="1"/>
-          <p:nvPr/>
-        </p:nvSpPr>
-        <p:spPr>
-          <a:xfrm>
-            <a:off x="420446" y="1478360"/>
-            <a:ext cx="5268961" cy="2631490"/>
-          </a:xfrm>
-          <a:prstGeom prst="rect">
-            <a:avLst/>
-          </a:prstGeom>
-          <a:noFill/>
-        </p:spPr>
-        <p:txBody>
-          <a:bodyPr wrap="square" rtlCol="0">
-            <a:spAutoFit/>
-          </a:bodyPr>
-          <a:lstStyle/>
-          <a:p>
-            <a:pPr algn="just"/>
-            <a:r>
-              <a:rPr lang="es-CO" sz="1500" dirty="0">
-                <a:latin typeface="Roboto" panose="02000000000000000000" pitchFamily="2" charset="0"/>
-                <a:ea typeface="Roboto" panose="02000000000000000000" pitchFamily="2" charset="0"/>
-              </a:rPr>
-              <a:t>El sistema integrado de transporte publico de Bogotá (</a:t>
-            </a:r>
-            <a:r>
-              <a:rPr lang="es-CO" sz="1500" i="1" dirty="0">
-                <a:latin typeface="Roboto" panose="02000000000000000000" pitchFamily="2" charset="0"/>
-                <a:ea typeface="Roboto" panose="02000000000000000000" pitchFamily="2" charset="0"/>
-              </a:rPr>
-              <a:t>Transmilenio</a:t>
-            </a:r>
-            <a:r>
-              <a:rPr lang="es-CO" sz="1500" dirty="0">
-                <a:latin typeface="Roboto" panose="02000000000000000000" pitchFamily="2" charset="0"/>
-                <a:ea typeface="Roboto" panose="02000000000000000000" pitchFamily="2" charset="0"/>
-              </a:rPr>
-              <a:t>, 2022)es gobernado a nivel administrativo por un eje central:  que tiene como visión en Bogotá “gestionar el sistema integrado de transporte publico de Bogotá orientado hacia el mejoramiento de la calidad de vida de los usuarios y procurando la integración de la ciudad con la región.</a:t>
-            </a:r>
-          </a:p>
-          <a:p>
-            <a:pPr algn="just"/>
-            <a:r>
-              <a:rPr lang="es-CO" sz="1500" dirty="0">
-                <a:latin typeface="Roboto" panose="02000000000000000000" pitchFamily="2" charset="0"/>
-                <a:ea typeface="Roboto" panose="02000000000000000000" pitchFamily="2" charset="0"/>
-              </a:rPr>
-              <a:t>Esta red integrada compromete una flota de: </a:t>
-            </a:r>
-            <a:r>
-              <a:rPr lang="es-CO" sz="1500" b="1" dirty="0">
-                <a:latin typeface="Roboto" panose="02000000000000000000" pitchFamily="2" charset="0"/>
-                <a:ea typeface="Roboto" panose="02000000000000000000" pitchFamily="2" charset="0"/>
-              </a:rPr>
-              <a:t>Alimentadores, articulados y urbanos. </a:t>
-            </a:r>
-            <a:r>
-              <a:rPr lang="es-CO" sz="1500" dirty="0">
-                <a:latin typeface="Roboto" panose="02000000000000000000" pitchFamily="2" charset="0"/>
-                <a:ea typeface="Roboto" panose="02000000000000000000" pitchFamily="2" charset="0"/>
-              </a:rPr>
-              <a:t>Que a su vez </a:t>
-            </a:r>
-            <a:r>
-              <a:rPr lang="es-CO" sz="1500" dirty="0" smtClean="0">
-                <a:latin typeface="Roboto" panose="02000000000000000000" pitchFamily="2" charset="0"/>
-                <a:ea typeface="Roboto" panose="02000000000000000000" pitchFamily="2" charset="0"/>
-              </a:rPr>
-              <a:t>están </a:t>
-            </a:r>
-            <a:r>
-              <a:rPr lang="es-CO" sz="1500" dirty="0">
-                <a:latin typeface="Roboto" panose="02000000000000000000" pitchFamily="2" charset="0"/>
-                <a:ea typeface="Roboto" panose="02000000000000000000" pitchFamily="2" charset="0"/>
-              </a:rPr>
-              <a:t>organizados por consorcios que gobiernan ciertos </a:t>
-            </a:r>
-            <a:r>
-              <a:rPr lang="es-CO" sz="1500" dirty="0" smtClean="0">
-                <a:latin typeface="Roboto" panose="02000000000000000000" pitchFamily="2" charset="0"/>
-                <a:ea typeface="Roboto" panose="02000000000000000000" pitchFamily="2" charset="0"/>
-              </a:rPr>
-              <a:t>corredores.</a:t>
-            </a:r>
-            <a:endParaRPr lang="es-ES" sz="1500" b="1" dirty="0" smtClean="0">
-              <a:solidFill>
-                <a:schemeClr val="tx1">
-                  <a:lumMod val="75000"/>
-                  <a:lumOff val="25000"/>
-                </a:schemeClr>
-              </a:solidFill>
-              <a:latin typeface="Roboto" panose="02000000000000000000" pitchFamily="2" charset="0"/>
-              <a:ea typeface="Roboto" panose="02000000000000000000" pitchFamily="2" charset="0"/>
-            </a:endParaRPr>
-          </a:p>
-        </p:txBody>
-      </p:sp>
-    </p:spTree>
-    <p:extLst>
-      <p:ext uri="{BB962C8B-B14F-4D97-AF65-F5344CB8AC3E}">
-        <p14:creationId xmlns:p14="http://schemas.microsoft.com/office/powerpoint/2010/main" val="2192973885"/>
-      </p:ext>
-    </p:extLst>
-  </p:cSld>
-  <p:clrMapOvr>
-    <a:masterClrMapping/>
-  </p:clrMapOvr>
-  <p:timing>
-    <p:tnLst>
-      <p:par>
-        <p:cTn id="1" dur="indefinite" restart="never" nodeType="tmRoot"/>
-      </p:par>
-    </p:tnLst>
-  </p:timing>
-</p:sld>
-</file>
-
-<file path=ppt/slides/slide3.xml><?xml version="1.0" encoding="utf-8"?>
-<p:sld xmlns:a="http://schemas.openxmlformats.org/drawingml/2006/main" xmlns:r="http://schemas.openxmlformats.org/officeDocument/2006/relationships" xmlns:p="http://schemas.openxmlformats.org/presentationml/2006/main">
-  <p:cSld>
-    <p:spTree>
-      <p:nvGrpSpPr>
-        <p:cNvPr id="1" name=""/>
-        <p:cNvGrpSpPr/>
-        <p:nvPr/>
-      </p:nvGrpSpPr>
-      <p:grpSpPr>
-        <a:xfrm>
-          <a:off x="0" y="0"/>
-          <a:ext cx="0" cy="0"/>
-          <a:chOff x="0" y="0"/>
-          <a:chExt cx="0" cy="0"/>
-        </a:xfrm>
-      </p:grpSpPr>
-      <p:sp>
-        <p:nvSpPr>
-          <p:cNvPr id="2" name="CuadroTexto 1"/>
-          <p:cNvSpPr txBox="1"/>
-          <p:nvPr/>
-        </p:nvSpPr>
-        <p:spPr>
-          <a:xfrm>
-            <a:off x="509443" y="555030"/>
-            <a:ext cx="2389387" cy="369332"/>
-          </a:xfrm>
-          <a:prstGeom prst="rect">
-            <a:avLst/>
-          </a:prstGeom>
-          <a:noFill/>
-        </p:spPr>
-        <p:txBody>
-          <a:bodyPr wrap="square" rtlCol="0">
-            <a:spAutoFit/>
-          </a:bodyPr>
-          <a:lstStyle/>
-          <a:p>
-            <a:endParaRPr lang="es-ES" dirty="0">
-              <a:solidFill>
-                <a:schemeClr val="tx1">
-                  <a:lumMod val="75000"/>
-                  <a:lumOff val="25000"/>
-                </a:schemeClr>
-              </a:solidFill>
-            </a:endParaRPr>
-          </a:p>
-        </p:txBody>
-      </p:sp>
-      <p:sp>
-        <p:nvSpPr>
-          <p:cNvPr id="4" name="CuadroTexto 3">
-            <a:extLst>
-              <a:ext uri="{FF2B5EF4-FFF2-40B4-BE49-F238E27FC236}">
-                <a16:creationId xmlns:a16="http://schemas.microsoft.com/office/drawing/2014/main" id="{550F382D-5E69-45ED-A7FA-28FFA7034733}"/>
-              </a:ext>
-            </a:extLst>
-          </p:cNvPr>
-          <p:cNvSpPr txBox="1"/>
-          <p:nvPr/>
-        </p:nvSpPr>
-        <p:spPr>
-          <a:xfrm>
-            <a:off x="-213783" y="741636"/>
-            <a:ext cx="3835838" cy="553998"/>
-          </a:xfrm>
-          <a:prstGeom prst="rect">
-            <a:avLst/>
-          </a:prstGeom>
-          <a:noFill/>
-        </p:spPr>
-        <p:txBody>
-          <a:bodyPr wrap="square" rtlCol="0">
-            <a:spAutoFit/>
-          </a:bodyPr>
-          <a:lstStyle/>
-          <a:p>
-            <a:pPr lvl="1"/>
-            <a:r>
-              <a:rPr lang="es-ES" sz="3000" b="1" dirty="0" smtClean="0">
-                <a:solidFill>
-                  <a:schemeClr val="tx1">
-                    <a:lumMod val="75000"/>
-                    <a:lumOff val="25000"/>
-                  </a:schemeClr>
-                </a:solidFill>
-                <a:latin typeface="Roboto" panose="02000000000000000000" pitchFamily="2" charset="0"/>
-                <a:ea typeface="Roboto" panose="02000000000000000000" pitchFamily="2" charset="0"/>
-              </a:rPr>
-              <a:t>Justificación</a:t>
-            </a:r>
-            <a:endParaRPr lang="es-ES" sz="3000" b="1" dirty="0">
-              <a:solidFill>
-                <a:schemeClr val="tx1">
-                  <a:lumMod val="75000"/>
-                  <a:lumOff val="25000"/>
-                </a:schemeClr>
-              </a:solidFill>
-              <a:latin typeface="Roboto" panose="02000000000000000000" pitchFamily="2" charset="0"/>
-              <a:ea typeface="Roboto" panose="02000000000000000000" pitchFamily="2" charset="0"/>
-            </a:endParaRPr>
-          </a:p>
-        </p:txBody>
-      </p:sp>
-      <p:sp>
-        <p:nvSpPr>
-          <p:cNvPr id="6" name="Rectángulo 5"/>
-          <p:cNvSpPr/>
-          <p:nvPr/>
-        </p:nvSpPr>
-        <p:spPr>
-          <a:xfrm>
-            <a:off x="323849" y="1409934"/>
-            <a:ext cx="3819525" cy="1323439"/>
-          </a:xfrm>
-          <a:prstGeom prst="rect">
-            <a:avLst/>
-          </a:prstGeom>
-        </p:spPr>
-        <p:txBody>
-          <a:bodyPr wrap="square">
-            <a:spAutoFit/>
-          </a:bodyPr>
-          <a:lstStyle/>
-          <a:p>
-            <a:pPr lvl="0">
-              <a:spcBef>
-                <a:spcPts val="1200"/>
-              </a:spcBef>
-              <a:spcAft>
-                <a:spcPts val="600"/>
-              </a:spcAft>
-              <a:buSzPts val="1200"/>
-            </a:pPr>
-            <a:r>
-              <a:rPr lang="es-CO" sz="1300" b="1" kern="100" dirty="0" smtClean="0">
-                <a:latin typeface="Roboto" panose="02000000000000000000" pitchFamily="2" charset="0"/>
-                <a:ea typeface="Roboto" panose="02000000000000000000" pitchFamily="2" charset="0"/>
-                <a:cs typeface="Noto Sans Devanagari"/>
-              </a:rPr>
-              <a:t>¿Qué sucede?</a:t>
-            </a:r>
-          </a:p>
-          <a:p>
-            <a:pPr lvl="0" algn="just">
-              <a:spcBef>
-                <a:spcPts val="1200"/>
-              </a:spcBef>
-              <a:spcAft>
-                <a:spcPts val="600"/>
-              </a:spcAft>
-              <a:buSzPts val="1200"/>
-            </a:pPr>
-            <a:r>
-              <a:rPr lang="es-CO" sz="1300" kern="100" dirty="0" smtClean="0">
-                <a:latin typeface="Roboto" panose="02000000000000000000" pitchFamily="2" charset="0"/>
-                <a:ea typeface="Roboto" panose="02000000000000000000" pitchFamily="2" charset="0"/>
-                <a:cs typeface="Wingdings" panose="05000000000000000000" pitchFamily="2" charset="2"/>
-              </a:rPr>
-              <a:t>La </a:t>
-            </a:r>
-            <a:r>
-              <a:rPr lang="es-CO" sz="1300" kern="100" dirty="0">
-                <a:latin typeface="Roboto" panose="02000000000000000000" pitchFamily="2" charset="0"/>
-                <a:ea typeface="Roboto" panose="02000000000000000000" pitchFamily="2" charset="0"/>
-                <a:cs typeface="Wingdings" panose="05000000000000000000" pitchFamily="2" charset="2"/>
-              </a:rPr>
-              <a:t>flota de 134 alimentadores de la zona de Kennedy central al llegar o salir del patio taller de bosa Brasil tienen inconvenientes para el registro y posterior seguimiento dentro del patio taller</a:t>
-            </a:r>
-          </a:p>
-        </p:txBody>
-      </p:sp>
-      <p:sp>
-        <p:nvSpPr>
-          <p:cNvPr id="7" name="Rectángulo 6"/>
-          <p:cNvSpPr/>
-          <p:nvPr/>
-        </p:nvSpPr>
-        <p:spPr>
-          <a:xfrm>
-            <a:off x="323850" y="2847371"/>
-            <a:ext cx="3819525" cy="1969770"/>
-          </a:xfrm>
-          <a:prstGeom prst="rect">
-            <a:avLst/>
-          </a:prstGeom>
-        </p:spPr>
-        <p:txBody>
-          <a:bodyPr wrap="square">
-            <a:spAutoFit/>
-          </a:bodyPr>
-          <a:lstStyle/>
-          <a:p>
-            <a:pPr lvl="0">
-              <a:spcBef>
-                <a:spcPts val="1200"/>
-              </a:spcBef>
-              <a:spcAft>
-                <a:spcPts val="600"/>
-              </a:spcAft>
-              <a:buSzPts val="1200"/>
-            </a:pPr>
-            <a:r>
-              <a:rPr lang="es-CO" sz="1300" b="1" kern="100" dirty="0" smtClean="0">
-                <a:latin typeface="Roboto" panose="02000000000000000000" pitchFamily="2" charset="0"/>
-                <a:ea typeface="Roboto" panose="02000000000000000000" pitchFamily="2" charset="0"/>
-                <a:cs typeface="Noto Sans Devanagari"/>
-              </a:rPr>
-              <a:t>¿Por qué sucede?</a:t>
-            </a:r>
-            <a:endParaRPr lang="es-CO" sz="1300" b="1" kern="100" dirty="0">
-              <a:latin typeface="Roboto" panose="02000000000000000000" pitchFamily="2" charset="0"/>
-              <a:ea typeface="Roboto" panose="02000000000000000000" pitchFamily="2" charset="0"/>
-              <a:cs typeface="Noto Sans Devanagari"/>
-            </a:endParaRPr>
-          </a:p>
-          <a:p>
-            <a:pPr lvl="0" algn="just">
-              <a:spcAft>
-                <a:spcPts val="700"/>
-              </a:spcAft>
-              <a:tabLst>
-                <a:tab pos="457200" algn="l"/>
-              </a:tabLst>
-            </a:pPr>
-            <a:r>
-              <a:rPr lang="es-CO" sz="1300" kern="100" dirty="0">
-                <a:latin typeface="Roboto" panose="02000000000000000000" pitchFamily="2" charset="0"/>
-                <a:ea typeface="Roboto" panose="02000000000000000000" pitchFamily="2" charset="0"/>
-                <a:cs typeface="Wingdings" panose="05000000000000000000" pitchFamily="2" charset="2"/>
-              </a:rPr>
-              <a:t>Cuando llegan los alimentadores a patio por distintas razones tienen que primero aparcar en la entrada para la captura de los datos iniciales de entrada, se llena un formulario manual que debe ser registrado por un operador que aguarda en el patio a la llegada, esta situación ha causado represamiento porque deben aguardar turno para su ingreso</a:t>
-            </a:r>
-          </a:p>
-        </p:txBody>
-      </p:sp>
-      <p:sp>
-        <p:nvSpPr>
-          <p:cNvPr id="8" name="Rectángulo 7"/>
-          <p:cNvSpPr/>
-          <p:nvPr/>
-        </p:nvSpPr>
-        <p:spPr>
-          <a:xfrm>
-            <a:off x="4381500" y="1409934"/>
-            <a:ext cx="4572000" cy="1169551"/>
-          </a:xfrm>
-          <a:prstGeom prst="rect">
-            <a:avLst/>
-          </a:prstGeom>
-        </p:spPr>
-        <p:txBody>
-          <a:bodyPr>
-            <a:spAutoFit/>
-          </a:bodyPr>
-          <a:lstStyle/>
-          <a:p>
-            <a:pPr lvl="0">
-              <a:spcBef>
-                <a:spcPts val="1200"/>
-              </a:spcBef>
-              <a:spcAft>
-                <a:spcPts val="600"/>
-              </a:spcAft>
-              <a:buSzPts val="1200"/>
-            </a:pPr>
-            <a:r>
-              <a:rPr lang="es-CO" sz="1300" b="1" kern="100" dirty="0" smtClean="0">
-                <a:latin typeface="Roboto" panose="02000000000000000000" pitchFamily="2" charset="0"/>
-                <a:ea typeface="Roboto" panose="02000000000000000000" pitchFamily="2" charset="0"/>
-                <a:cs typeface="Noto Sans Devanagari"/>
-              </a:rPr>
-              <a:t>¿A quien le sucede</a:t>
-            </a:r>
-            <a:endParaRPr lang="es-CO" sz="1300" b="1" kern="100" dirty="0">
-              <a:latin typeface="Roboto" panose="02000000000000000000" pitchFamily="2" charset="0"/>
-              <a:ea typeface="Roboto" panose="02000000000000000000" pitchFamily="2" charset="0"/>
-              <a:cs typeface="Noto Sans Devanagari"/>
-            </a:endParaRPr>
-          </a:p>
-          <a:p>
-            <a:pPr lvl="0" algn="just">
-              <a:spcAft>
-                <a:spcPts val="0"/>
-              </a:spcAft>
-              <a:tabLst>
-                <a:tab pos="457200" algn="l"/>
-              </a:tabLst>
-            </a:pPr>
-            <a:r>
-              <a:rPr lang="es-CO" sz="1300" kern="100" dirty="0" smtClean="0">
-                <a:latin typeface="Roboto" panose="02000000000000000000" pitchFamily="2" charset="0"/>
-                <a:ea typeface="Roboto" panose="02000000000000000000" pitchFamily="2" charset="0"/>
-                <a:cs typeface="Wingdings" panose="05000000000000000000" pitchFamily="2" charset="2"/>
-              </a:rPr>
-              <a:t>Este </a:t>
-            </a:r>
-            <a:r>
-              <a:rPr lang="es-CO" sz="1300" kern="100" dirty="0">
-                <a:latin typeface="Roboto" panose="02000000000000000000" pitchFamily="2" charset="0"/>
-                <a:ea typeface="Roboto" panose="02000000000000000000" pitchFamily="2" charset="0"/>
-                <a:cs typeface="Wingdings" panose="05000000000000000000" pitchFamily="2" charset="2"/>
-              </a:rPr>
-              <a:t>problema le sucede al </a:t>
-            </a:r>
-            <a:r>
-              <a:rPr lang="es-CO" sz="1300" b="1" kern="100" dirty="0">
-                <a:latin typeface="Roboto" panose="02000000000000000000" pitchFamily="2" charset="0"/>
-                <a:ea typeface="Roboto" panose="02000000000000000000" pitchFamily="2" charset="0"/>
-                <a:cs typeface="Wingdings" panose="05000000000000000000" pitchFamily="2" charset="2"/>
-              </a:rPr>
-              <a:t>patio bosa Brasil ubicado en la dirección Bosa Brasil, Cl. 50a Sur ##89a-15, Bogotá</a:t>
-            </a:r>
-            <a:r>
-              <a:rPr lang="es-CO" sz="1300" kern="100" dirty="0">
-                <a:latin typeface="Roboto" panose="02000000000000000000" pitchFamily="2" charset="0"/>
-                <a:ea typeface="Roboto" panose="02000000000000000000" pitchFamily="2" charset="0"/>
-                <a:cs typeface="Wingdings" panose="05000000000000000000" pitchFamily="2" charset="2"/>
-              </a:rPr>
-              <a:t> pertenece al consorcio masivo capital ubicado en la ciudad de </a:t>
-            </a:r>
-            <a:r>
-              <a:rPr lang="es-CO" sz="1300" kern="100" dirty="0" smtClean="0">
-                <a:latin typeface="Roboto" panose="02000000000000000000" pitchFamily="2" charset="0"/>
-                <a:ea typeface="Roboto" panose="02000000000000000000" pitchFamily="2" charset="0"/>
-                <a:cs typeface="Wingdings" panose="05000000000000000000" pitchFamily="2" charset="2"/>
-              </a:rPr>
-              <a:t>Bogotá.</a:t>
-            </a:r>
-            <a:r>
-              <a:rPr lang="es-CO" sz="1300" kern="100" dirty="0" smtClean="0">
-                <a:latin typeface="Roboto" panose="02000000000000000000" pitchFamily="2" charset="0"/>
-                <a:ea typeface="Roboto" panose="02000000000000000000" pitchFamily="2" charset="0"/>
-                <a:cs typeface="Noto Sans Devanagari"/>
-              </a:rPr>
-              <a:t>(</a:t>
-            </a:r>
-            <a:r>
-              <a:rPr lang="es-CO" sz="1300" i="1" kern="100" dirty="0" smtClean="0">
-                <a:latin typeface="Roboto" panose="02000000000000000000" pitchFamily="2" charset="0"/>
-                <a:ea typeface="Roboto" panose="02000000000000000000" pitchFamily="2" charset="0"/>
-                <a:cs typeface="Noto Sans Devanagari"/>
-              </a:rPr>
-              <a:t>Ubicación </a:t>
-            </a:r>
-            <a:r>
-              <a:rPr lang="es-CO" sz="1300" i="1" kern="100" dirty="0">
-                <a:latin typeface="Roboto" panose="02000000000000000000" pitchFamily="2" charset="0"/>
-                <a:ea typeface="Roboto" panose="02000000000000000000" pitchFamily="2" charset="0"/>
-                <a:cs typeface="Noto Sans Devanagari"/>
-              </a:rPr>
-              <a:t>Patio Taller</a:t>
-            </a:r>
-            <a:r>
-              <a:rPr lang="es-CO" sz="1300" kern="100" dirty="0">
-                <a:latin typeface="Roboto" panose="02000000000000000000" pitchFamily="2" charset="0"/>
-                <a:ea typeface="Roboto" panose="02000000000000000000" pitchFamily="2" charset="0"/>
-                <a:cs typeface="Noto Sans Devanagari"/>
-              </a:rPr>
-              <a:t>, 2022</a:t>
-            </a:r>
-            <a:r>
-              <a:rPr lang="es-CO" sz="1300" kern="100" dirty="0" smtClean="0">
-                <a:latin typeface="Roboto" panose="02000000000000000000" pitchFamily="2" charset="0"/>
-                <a:ea typeface="Roboto" panose="02000000000000000000" pitchFamily="2" charset="0"/>
-                <a:cs typeface="Noto Sans Devanagari"/>
-              </a:rPr>
-              <a:t>).</a:t>
-            </a:r>
-            <a:endParaRPr lang="es-CO" sz="1300" kern="100" dirty="0">
-              <a:latin typeface="Roboto" panose="02000000000000000000" pitchFamily="2" charset="0"/>
-              <a:ea typeface="Roboto" panose="02000000000000000000" pitchFamily="2" charset="0"/>
-              <a:cs typeface="Noto Sans Devanagari"/>
-            </a:endParaRPr>
-          </a:p>
-        </p:txBody>
-      </p:sp>
-      <p:sp>
-        <p:nvSpPr>
-          <p:cNvPr id="9" name="Rectángulo 8"/>
-          <p:cNvSpPr/>
-          <p:nvPr/>
-        </p:nvSpPr>
-        <p:spPr>
-          <a:xfrm>
-            <a:off x="4381500" y="2847371"/>
-            <a:ext cx="4572000" cy="1169551"/>
-          </a:xfrm>
-          <a:prstGeom prst="rect">
-            <a:avLst/>
-          </a:prstGeom>
-        </p:spPr>
-        <p:txBody>
-          <a:bodyPr>
-            <a:spAutoFit/>
-          </a:bodyPr>
-          <a:lstStyle/>
-          <a:p>
-            <a:pPr lvl="0">
-              <a:spcBef>
-                <a:spcPts val="1200"/>
-              </a:spcBef>
-              <a:spcAft>
-                <a:spcPts val="600"/>
-              </a:spcAft>
-              <a:buSzPts val="1200"/>
-            </a:pPr>
-            <a:r>
-              <a:rPr lang="es-CO" sz="1300" b="1" kern="100" dirty="0">
-                <a:latin typeface="Roboto" panose="02000000000000000000" pitchFamily="2" charset="0"/>
-                <a:ea typeface="Roboto" panose="02000000000000000000" pitchFamily="2" charset="0"/>
-                <a:cs typeface="Noto Sans Devanagari"/>
-              </a:rPr>
-              <a:t>¿cómo puedo solucionarlo?</a:t>
-            </a:r>
-          </a:p>
-          <a:p>
-            <a:pPr lvl="0" algn="just">
-              <a:spcAft>
-                <a:spcPts val="700"/>
-              </a:spcAft>
-              <a:tabLst>
-                <a:tab pos="457200" algn="l"/>
-              </a:tabLst>
-            </a:pPr>
-            <a:r>
-              <a:rPr lang="es-CO" sz="1300" kern="100" dirty="0">
-                <a:latin typeface="Roboto" panose="02000000000000000000" pitchFamily="2" charset="0"/>
-                <a:ea typeface="Roboto" panose="02000000000000000000" pitchFamily="2" charset="0"/>
-                <a:cs typeface="Wingdings" panose="05000000000000000000" pitchFamily="2" charset="2"/>
-              </a:rPr>
-              <a:t>Esta situación se puede resolver realizando un sistema de información que puede estar soportado en un sistema de cómputo que permita capturar, controlar y vigilar los alimentadores cuando ingresan o salen del </a:t>
-            </a:r>
-            <a:r>
-              <a:rPr lang="es-CO" sz="1300" kern="100" dirty="0" smtClean="0">
-                <a:latin typeface="Roboto" panose="02000000000000000000" pitchFamily="2" charset="0"/>
-                <a:ea typeface="Roboto" panose="02000000000000000000" pitchFamily="2" charset="0"/>
-                <a:cs typeface="Wingdings" panose="05000000000000000000" pitchFamily="2" charset="2"/>
-              </a:rPr>
-              <a:t>patio.</a:t>
-            </a:r>
-            <a:endParaRPr lang="es-CO" sz="1300" kern="100" dirty="0">
-              <a:latin typeface="Roboto" panose="02000000000000000000" pitchFamily="2" charset="0"/>
-              <a:ea typeface="Roboto" panose="02000000000000000000" pitchFamily="2" charset="0"/>
-              <a:cs typeface="Wingdings" panose="05000000000000000000" pitchFamily="2" charset="2"/>
-            </a:endParaRPr>
-          </a:p>
-        </p:txBody>
-      </p:sp>
-    </p:spTree>
-    <p:extLst>
-      <p:ext uri="{BB962C8B-B14F-4D97-AF65-F5344CB8AC3E}">
-        <p14:creationId xmlns:p14="http://schemas.microsoft.com/office/powerpoint/2010/main" val="1648721215"/>
-      </p:ext>
-    </p:extLst>
-  </p:cSld>
-  <p:clrMapOvr>
-    <a:masterClrMapping/>
-  </p:clrMapOvr>
-  <p:timing>
-    <p:tnLst>
-      <p:par>
-        <p:cTn id="1" dur="indefinite" restart="never" nodeType="tmRoot"/>
-      </p:par>
-    </p:tnLst>
-  </p:timing>
-</p:sld>
-</file>
-
-<file path=ppt/slides/slide4.xml><?xml version="1.0" encoding="utf-8"?>
-<p:sld xmlns:a="http://schemas.openxmlformats.org/drawingml/2006/main" xmlns:r="http://schemas.openxmlformats.org/officeDocument/2006/relationships" xmlns:p="http://schemas.openxmlformats.org/presentationml/2006/main">
-  <p:cSld>
-    <p:spTree>
-      <p:nvGrpSpPr>
-        <p:cNvPr id="1" name=""/>
-        <p:cNvGrpSpPr/>
-        <p:nvPr/>
-      </p:nvGrpSpPr>
-      <p:grpSpPr>
-        <a:xfrm>
-          <a:off x="0" y="0"/>
-          <a:ext cx="0" cy="0"/>
-          <a:chOff x="0" y="0"/>
-          <a:chExt cx="0" cy="0"/>
-        </a:xfrm>
-      </p:grpSpPr>
-      <p:sp>
-        <p:nvSpPr>
-          <p:cNvPr id="2" name="CuadroTexto 1"/>
-          <p:cNvSpPr txBox="1"/>
-          <p:nvPr/>
-        </p:nvSpPr>
-        <p:spPr>
-          <a:xfrm>
-            <a:off x="509443" y="555030"/>
-            <a:ext cx="2389387" cy="369332"/>
-          </a:xfrm>
-          <a:prstGeom prst="rect">
-            <a:avLst/>
-          </a:prstGeom>
-          <a:noFill/>
-        </p:spPr>
-        <p:txBody>
-          <a:bodyPr wrap="square" rtlCol="0">
-            <a:spAutoFit/>
-          </a:bodyPr>
-          <a:lstStyle/>
-          <a:p>
-            <a:endParaRPr lang="es-ES" dirty="0">
-              <a:solidFill>
-                <a:schemeClr val="tx1">
-                  <a:lumMod val="75000"/>
-                  <a:lumOff val="25000"/>
-                </a:schemeClr>
-              </a:solidFill>
-            </a:endParaRPr>
-          </a:p>
-        </p:txBody>
-      </p:sp>
-      <p:sp>
-        <p:nvSpPr>
-          <p:cNvPr id="4" name="CuadroTexto 3">
-            <a:extLst>
-              <a:ext uri="{FF2B5EF4-FFF2-40B4-BE49-F238E27FC236}">
-                <a16:creationId xmlns:a16="http://schemas.microsoft.com/office/drawing/2014/main" id="{550F382D-5E69-45ED-A7FA-28FFA7034733}"/>
-              </a:ext>
-            </a:extLst>
-          </p:cNvPr>
-          <p:cNvSpPr txBox="1"/>
-          <p:nvPr/>
-        </p:nvSpPr>
-        <p:spPr>
-          <a:xfrm>
-            <a:off x="0" y="1164347"/>
-            <a:ext cx="3835838" cy="553998"/>
-          </a:xfrm>
-          <a:prstGeom prst="rect">
-            <a:avLst/>
-          </a:prstGeom>
-          <a:noFill/>
-        </p:spPr>
-        <p:txBody>
-          <a:bodyPr wrap="square" rtlCol="0">
-            <a:spAutoFit/>
-          </a:bodyPr>
-          <a:lstStyle/>
-          <a:p>
-            <a:pPr lvl="1"/>
-            <a:r>
-              <a:rPr lang="es-ES" sz="3000" b="1" dirty="0" smtClean="0">
-                <a:solidFill>
-                  <a:schemeClr val="tx1">
-                    <a:lumMod val="75000"/>
-                    <a:lumOff val="25000"/>
-                  </a:schemeClr>
-                </a:solidFill>
-                <a:latin typeface="Roboto" panose="02000000000000000000" pitchFamily="2" charset="0"/>
-                <a:ea typeface="Roboto" panose="02000000000000000000" pitchFamily="2" charset="0"/>
-              </a:rPr>
-              <a:t>Objetivo General</a:t>
-            </a:r>
-            <a:endParaRPr lang="es-ES" sz="3000" b="1" dirty="0">
-              <a:solidFill>
-                <a:schemeClr val="tx1">
-                  <a:lumMod val="75000"/>
-                  <a:lumOff val="25000"/>
-                </a:schemeClr>
-              </a:solidFill>
-              <a:latin typeface="Roboto" panose="02000000000000000000" pitchFamily="2" charset="0"/>
-              <a:ea typeface="Roboto" panose="02000000000000000000" pitchFamily="2" charset="0"/>
-            </a:endParaRPr>
-          </a:p>
-        </p:txBody>
-      </p:sp>
-      <p:sp>
-        <p:nvSpPr>
-          <p:cNvPr id="5" name="CuadroTexto 4">
-            <a:extLst>
-              <a:ext uri="{FF2B5EF4-FFF2-40B4-BE49-F238E27FC236}">
-                <a16:creationId xmlns:a16="http://schemas.microsoft.com/office/drawing/2014/main" id="{550F382D-5E69-45ED-A7FA-28FFA7034733}"/>
-              </a:ext>
-            </a:extLst>
-          </p:cNvPr>
-          <p:cNvSpPr txBox="1"/>
-          <p:nvPr/>
-        </p:nvSpPr>
-        <p:spPr>
-          <a:xfrm>
-            <a:off x="0" y="1953637"/>
-            <a:ext cx="3835838" cy="1477328"/>
-          </a:xfrm>
-          <a:prstGeom prst="rect">
-            <a:avLst/>
-          </a:prstGeom>
-          <a:noFill/>
-        </p:spPr>
-        <p:txBody>
-          <a:bodyPr wrap="square" rtlCol="0">
-            <a:spAutoFit/>
-          </a:bodyPr>
-          <a:lstStyle/>
-          <a:p>
-            <a:pPr lvl="1" algn="just"/>
-            <a:r>
-              <a:rPr lang="es-CO" sz="1500" dirty="0">
-                <a:latin typeface="Roboto" panose="02000000000000000000" pitchFamily="2" charset="0"/>
-                <a:ea typeface="Roboto" panose="02000000000000000000" pitchFamily="2" charset="0"/>
-              </a:rPr>
-              <a:t>Establecer un sistema de información que permita evidenciar el control y seguimiento en la   entrada, reposo y salida en el patio taller de los vehículos tipo alimentador en el patio taller bosa </a:t>
-            </a:r>
-            <a:r>
-              <a:rPr lang="es-CO" sz="1500" dirty="0" smtClean="0">
-                <a:latin typeface="Roboto" panose="02000000000000000000" pitchFamily="2" charset="0"/>
-                <a:ea typeface="Roboto" panose="02000000000000000000" pitchFamily="2" charset="0"/>
-              </a:rPr>
-              <a:t>Brasil.</a:t>
-            </a:r>
-            <a:endParaRPr lang="es-CO" sz="1500" dirty="0">
-              <a:latin typeface="Roboto" panose="02000000000000000000" pitchFamily="2" charset="0"/>
-              <a:ea typeface="Roboto" panose="02000000000000000000" pitchFamily="2" charset="0"/>
-            </a:endParaRPr>
-          </a:p>
-        </p:txBody>
-      </p:sp>
-    </p:spTree>
-    <p:extLst>
-      <p:ext uri="{BB962C8B-B14F-4D97-AF65-F5344CB8AC3E}">
-        <p14:creationId xmlns:p14="http://schemas.microsoft.com/office/powerpoint/2010/main" val="621392499"/>
-      </p:ext>
-    </p:extLst>
-  </p:cSld>
-  <p:clrMapOvr>
-    <a:masterClrMapping/>
-  </p:clrMapOvr>
-  <p:timing>
-    <p:tnLst>
-      <p:par>
-        <p:cTn id="1" dur="indefinite" restart="never" nodeType="tmRoot"/>
-      </p:par>
-    </p:tnLst>
-  </p:timing>
-</p:sld>
-</file>
-
-<file path=ppt/slides/slide5.xml><?xml version="1.0" encoding="utf-8"?>
-<p:sld xmlns:a="http://schemas.openxmlformats.org/drawingml/2006/main" xmlns:r="http://schemas.openxmlformats.org/officeDocument/2006/relationships" xmlns:p="http://schemas.openxmlformats.org/presentationml/2006/main">
-  <p:cSld>
-    <p:spTree>
-      <p:nvGrpSpPr>
-        <p:cNvPr id="1" name=""/>
-        <p:cNvGrpSpPr/>
-        <p:nvPr/>
-      </p:nvGrpSpPr>
-      <p:grpSpPr>
-        <a:xfrm>
-          <a:off x="0" y="0"/>
-          <a:ext cx="0" cy="0"/>
-          <a:chOff x="0" y="0"/>
-          <a:chExt cx="0" cy="0"/>
-        </a:xfrm>
-      </p:grpSpPr>
-      <p:sp>
-        <p:nvSpPr>
-          <p:cNvPr id="2" name="CuadroTexto 1"/>
-          <p:cNvSpPr txBox="1"/>
-          <p:nvPr/>
-        </p:nvSpPr>
-        <p:spPr>
-          <a:xfrm>
-            <a:off x="509443" y="555030"/>
-            <a:ext cx="2389387" cy="369332"/>
-          </a:xfrm>
-          <a:prstGeom prst="rect">
-            <a:avLst/>
-          </a:prstGeom>
-          <a:noFill/>
-        </p:spPr>
-        <p:txBody>
-          <a:bodyPr wrap="square" rtlCol="0">
-            <a:spAutoFit/>
-          </a:bodyPr>
-          <a:lstStyle/>
-          <a:p>
-            <a:endParaRPr lang="es-ES" dirty="0">
-              <a:solidFill>
-                <a:schemeClr val="tx1">
-                  <a:lumMod val="75000"/>
-                  <a:lumOff val="25000"/>
-                </a:schemeClr>
-              </a:solidFill>
-            </a:endParaRPr>
-          </a:p>
-        </p:txBody>
-      </p:sp>
-      <p:sp>
-        <p:nvSpPr>
-          <p:cNvPr id="4" name="CuadroTexto 3">
-            <a:extLst>
-              <a:ext uri="{FF2B5EF4-FFF2-40B4-BE49-F238E27FC236}">
-                <a16:creationId xmlns:a16="http://schemas.microsoft.com/office/drawing/2014/main" id="{550F382D-5E69-45ED-A7FA-28FFA7034733}"/>
-              </a:ext>
-            </a:extLst>
-          </p:cNvPr>
-          <p:cNvSpPr txBox="1"/>
-          <p:nvPr/>
-        </p:nvSpPr>
-        <p:spPr>
-          <a:xfrm>
-            <a:off x="-236183" y="740261"/>
-            <a:ext cx="4589974" cy="553998"/>
-          </a:xfrm>
-          <a:prstGeom prst="rect">
-            <a:avLst/>
-          </a:prstGeom>
-          <a:noFill/>
-        </p:spPr>
-        <p:txBody>
-          <a:bodyPr wrap="square" rtlCol="0">
-            <a:spAutoFit/>
-          </a:bodyPr>
-          <a:lstStyle/>
-          <a:p>
-            <a:pPr lvl="1"/>
-            <a:r>
-              <a:rPr lang="es-ES" sz="3000" b="1" dirty="0" smtClean="0">
-                <a:solidFill>
-                  <a:schemeClr val="tx1">
-                    <a:lumMod val="75000"/>
-                    <a:lumOff val="25000"/>
-                  </a:schemeClr>
-                </a:solidFill>
-                <a:latin typeface="Roboto" panose="02000000000000000000" pitchFamily="2" charset="0"/>
-                <a:ea typeface="Roboto" panose="02000000000000000000" pitchFamily="2" charset="0"/>
-              </a:rPr>
-              <a:t>Objetivos Específicos</a:t>
-            </a:r>
-            <a:endParaRPr lang="es-ES" sz="3000" b="1" dirty="0">
-              <a:solidFill>
-                <a:schemeClr val="tx1">
-                  <a:lumMod val="75000"/>
-                  <a:lumOff val="25000"/>
-                </a:schemeClr>
-              </a:solidFill>
-              <a:latin typeface="Roboto" panose="02000000000000000000" pitchFamily="2" charset="0"/>
-              <a:ea typeface="Roboto" panose="02000000000000000000" pitchFamily="2" charset="0"/>
-            </a:endParaRPr>
-          </a:p>
-        </p:txBody>
-      </p:sp>
-      <p:sp>
-        <p:nvSpPr>
-          <p:cNvPr id="5" name="CuadroTexto 4">
-            <a:extLst>
-              <a:ext uri="{FF2B5EF4-FFF2-40B4-BE49-F238E27FC236}">
-                <a16:creationId xmlns:a16="http://schemas.microsoft.com/office/drawing/2014/main" id="{550F382D-5E69-45ED-A7FA-28FFA7034733}"/>
-              </a:ext>
-            </a:extLst>
-          </p:cNvPr>
-          <p:cNvSpPr txBox="1"/>
-          <p:nvPr/>
-        </p:nvSpPr>
-        <p:spPr>
-          <a:xfrm>
-            <a:off x="272971" y="1849901"/>
-            <a:ext cx="4361374" cy="1938992"/>
-          </a:xfrm>
-          <a:prstGeom prst="rect">
-            <a:avLst/>
-          </a:prstGeom>
-          <a:noFill/>
-        </p:spPr>
-        <p:txBody>
-          <a:bodyPr wrap="square" rtlCol="0">
-            <a:spAutoFit/>
-          </a:bodyPr>
-          <a:lstStyle/>
-          <a:p>
-            <a:pPr marL="285750" lvl="0" indent="-285750">
-              <a:buFont typeface="Arial" panose="020B0604020202020204" pitchFamily="34" charset="0"/>
-              <a:buChar char="•"/>
-            </a:pPr>
-            <a:r>
-              <a:rPr lang="es-CO" sz="1500" dirty="0" smtClean="0">
-                <a:latin typeface="Roboto" panose="02000000000000000000" pitchFamily="2" charset="0"/>
-                <a:ea typeface="Roboto" panose="02000000000000000000" pitchFamily="2" charset="0"/>
-              </a:rPr>
-              <a:t>Registrar </a:t>
-            </a:r>
-            <a:r>
-              <a:rPr lang="es-CO" sz="1500" dirty="0">
-                <a:latin typeface="Roboto" panose="02000000000000000000" pitchFamily="2" charset="0"/>
-                <a:ea typeface="Roboto" panose="02000000000000000000" pitchFamily="2" charset="0"/>
-              </a:rPr>
-              <a:t>estado del vehículo en la entrada y salida del patio taller consorcio masivo capital</a:t>
-            </a:r>
-          </a:p>
-          <a:p>
-            <a:pPr marL="285750" lvl="0" indent="-285750">
-              <a:buFont typeface="Arial" panose="020B0604020202020204" pitchFamily="34" charset="0"/>
-              <a:buChar char="•"/>
-            </a:pPr>
-            <a:r>
-              <a:rPr lang="es-CO" sz="1500" dirty="0">
-                <a:latin typeface="Roboto" panose="02000000000000000000" pitchFamily="2" charset="0"/>
-                <a:ea typeface="Roboto" panose="02000000000000000000" pitchFamily="2" charset="0"/>
-              </a:rPr>
-              <a:t>E</a:t>
-            </a:r>
-            <a:r>
-              <a:rPr lang="es-CO" sz="1500" dirty="0" smtClean="0">
-                <a:latin typeface="Roboto" panose="02000000000000000000" pitchFamily="2" charset="0"/>
-                <a:ea typeface="Roboto" panose="02000000000000000000" pitchFamily="2" charset="0"/>
-              </a:rPr>
-              <a:t>stablecer </a:t>
-            </a:r>
-            <a:r>
-              <a:rPr lang="es-CO" sz="1500" dirty="0">
-                <a:latin typeface="Roboto" panose="02000000000000000000" pitchFamily="2" charset="0"/>
-                <a:ea typeface="Roboto" panose="02000000000000000000" pitchFamily="2" charset="0"/>
-              </a:rPr>
-              <a:t>seguimiento y control a los vehículos que ingresan y salen del patio taller</a:t>
-            </a:r>
-          </a:p>
-          <a:p>
-            <a:pPr marL="285750" lvl="0" indent="-285750" algn="just">
-              <a:buFont typeface="Arial" panose="020B0604020202020204" pitchFamily="34" charset="0"/>
-              <a:buChar char="•"/>
-            </a:pPr>
-            <a:r>
-              <a:rPr lang="es-CO" sz="1500" dirty="0">
-                <a:latin typeface="Roboto" panose="02000000000000000000" pitchFamily="2" charset="0"/>
-                <a:ea typeface="Roboto" panose="02000000000000000000" pitchFamily="2" charset="0"/>
-              </a:rPr>
-              <a:t>E</a:t>
-            </a:r>
-            <a:r>
-              <a:rPr lang="es-CO" sz="1500" dirty="0" smtClean="0">
-                <a:latin typeface="Roboto" panose="02000000000000000000" pitchFamily="2" charset="0"/>
-                <a:ea typeface="Roboto" panose="02000000000000000000" pitchFamily="2" charset="0"/>
-              </a:rPr>
-              <a:t>stablecer </a:t>
-            </a:r>
-            <a:r>
-              <a:rPr lang="es-CO" sz="1500" dirty="0">
-                <a:latin typeface="Roboto" panose="02000000000000000000" pitchFamily="2" charset="0"/>
-                <a:ea typeface="Roboto" panose="02000000000000000000" pitchFamily="2" charset="0"/>
-              </a:rPr>
-              <a:t>seguimiento y control cuando los vehículos hacen uso de los servicios de mantenimiento del patio taller Bosa Brasil  </a:t>
-            </a:r>
-          </a:p>
-        </p:txBody>
-      </p:sp>
-      <p:pic>
-        <p:nvPicPr>
-          <p:cNvPr id="6" name="Google Shape;46;p2" descr="Un dibujo de un personaje de caricatura&#10;&#10;Descripción generada automáticamente con confianza baja"/>
-          <p:cNvPicPr preferRelativeResize="0"/>
-          <p:nvPr/>
-        </p:nvPicPr>
-        <p:blipFill rotWithShape="1">
-          <a:blip r:embed="rId2">
-            <a:alphaModFix/>
-          </a:blip>
-          <a:srcRect/>
-          <a:stretch/>
-        </p:blipFill>
-        <p:spPr>
-          <a:xfrm>
-            <a:off x="6124979" y="2043953"/>
-            <a:ext cx="1637895" cy="1585072"/>
-          </a:xfrm>
-          <a:prstGeom prst="rect">
-            <a:avLst/>
-          </a:prstGeom>
-          <a:noFill/>
-          <a:ln>
-            <a:noFill/>
-          </a:ln>
-        </p:spPr>
-      </p:pic>
-    </p:spTree>
-    <p:extLst>
-      <p:ext uri="{BB962C8B-B14F-4D97-AF65-F5344CB8AC3E}">
-        <p14:creationId xmlns:p14="http://schemas.microsoft.com/office/powerpoint/2010/main" val="474744644"/>
-      </p:ext>
-    </p:extLst>
-  </p:cSld>
-  <p:clrMapOvr>
-    <a:masterClrMapping/>
-  </p:clrMapOvr>
-  <p:timing>
-    <p:tnLst>
-      <p:par>
-        <p:cTn id="1" dur="indefinite" restart="never" nodeType="tmRoot"/>
-      </p:par>
-    </p:tnLst>
-  </p:timing>
-</p:sld>
-</file>
-
-<file path=ppt/slides/slide6.xml><?xml version="1.0" encoding="utf-8"?>
-<p:sld xmlns:a="http://schemas.openxmlformats.org/drawingml/2006/main" xmlns:r="http://schemas.openxmlformats.org/officeDocument/2006/relationships" xmlns:p="http://schemas.openxmlformats.org/presentationml/2006/main">
-  <p:cSld>
-    <p:spTree>
-      <p:nvGrpSpPr>
-        <p:cNvPr id="1" name=""/>
-        <p:cNvGrpSpPr/>
-        <p:nvPr/>
-      </p:nvGrpSpPr>
-      <p:grpSpPr>
-        <a:xfrm>
-          <a:off x="0" y="0"/>
-          <a:ext cx="0" cy="0"/>
-          <a:chOff x="0" y="0"/>
-          <a:chExt cx="0" cy="0"/>
-        </a:xfrm>
-      </p:grpSpPr>
-      <p:sp>
-        <p:nvSpPr>
-          <p:cNvPr id="2" name="CuadroTexto 1"/>
-          <p:cNvSpPr txBox="1"/>
-          <p:nvPr/>
-        </p:nvSpPr>
-        <p:spPr>
-          <a:xfrm>
-            <a:off x="509443" y="555030"/>
-            <a:ext cx="2389387" cy="369332"/>
-          </a:xfrm>
-          <a:prstGeom prst="rect">
-            <a:avLst/>
-          </a:prstGeom>
-          <a:noFill/>
-        </p:spPr>
-        <p:txBody>
-          <a:bodyPr wrap="square" rtlCol="0">
-            <a:spAutoFit/>
-          </a:bodyPr>
-          <a:lstStyle/>
-          <a:p>
-            <a:endParaRPr lang="es-ES" dirty="0">
-              <a:solidFill>
-                <a:schemeClr val="tx1">
-                  <a:lumMod val="75000"/>
-                  <a:lumOff val="25000"/>
-                </a:schemeClr>
-              </a:solidFill>
-            </a:endParaRPr>
-          </a:p>
-        </p:txBody>
-      </p:sp>
-      <p:sp>
-        <p:nvSpPr>
-          <p:cNvPr id="4" name="CuadroTexto 3">
-            <a:extLst>
-              <a:ext uri="{FF2B5EF4-FFF2-40B4-BE49-F238E27FC236}">
-                <a16:creationId xmlns:a16="http://schemas.microsoft.com/office/drawing/2014/main" id="{550F382D-5E69-45ED-A7FA-28FFA7034733}"/>
-              </a:ext>
-            </a:extLst>
-          </p:cNvPr>
-          <p:cNvSpPr txBox="1"/>
-          <p:nvPr/>
-        </p:nvSpPr>
-        <p:spPr>
-          <a:xfrm>
-            <a:off x="44371" y="370364"/>
-            <a:ext cx="4589974" cy="553998"/>
-          </a:xfrm>
-          <a:prstGeom prst="rect">
-            <a:avLst/>
-          </a:prstGeom>
-          <a:noFill/>
-        </p:spPr>
-        <p:txBody>
-          <a:bodyPr wrap="square" rtlCol="0">
-            <a:spAutoFit/>
-          </a:bodyPr>
-          <a:lstStyle/>
-          <a:p>
-            <a:pPr lvl="1"/>
-            <a:r>
-              <a:rPr lang="es-ES" sz="3000" b="1" dirty="0" smtClean="0">
-                <a:solidFill>
-                  <a:schemeClr val="tx1">
-                    <a:lumMod val="75000"/>
-                    <a:lumOff val="25000"/>
-                  </a:schemeClr>
-                </a:solidFill>
-                <a:latin typeface="Roboto" panose="02000000000000000000" pitchFamily="2" charset="0"/>
-                <a:ea typeface="Roboto" panose="02000000000000000000" pitchFamily="2" charset="0"/>
-              </a:rPr>
-              <a:t>Mapa de Procesos</a:t>
-            </a:r>
-            <a:endParaRPr lang="es-ES" sz="3000" b="1" dirty="0">
-              <a:solidFill>
-                <a:schemeClr val="tx1">
-                  <a:lumMod val="75000"/>
-                  <a:lumOff val="25000"/>
-                </a:schemeClr>
-              </a:solidFill>
-              <a:latin typeface="Roboto" panose="02000000000000000000" pitchFamily="2" charset="0"/>
-              <a:ea typeface="Roboto" panose="02000000000000000000" pitchFamily="2" charset="0"/>
-            </a:endParaRPr>
-          </a:p>
-        </p:txBody>
-      </p:sp>
-      <p:pic>
-        <p:nvPicPr>
-          <p:cNvPr id="7" name="Google Shape;82;p6"/>
-          <p:cNvPicPr preferRelativeResize="0"/>
-          <p:nvPr/>
-        </p:nvPicPr>
-        <p:blipFill rotWithShape="1">
-          <a:blip r:embed="rId2">
-            <a:alphaModFix/>
-          </a:blip>
-          <a:srcRect/>
-          <a:stretch/>
-        </p:blipFill>
-        <p:spPr>
-          <a:xfrm>
-            <a:off x="1231270" y="924362"/>
-            <a:ext cx="6655429" cy="4034472"/>
-          </a:xfrm>
-          <a:prstGeom prst="rect">
-            <a:avLst/>
-          </a:prstGeom>
-          <a:noFill/>
-          <a:ln>
-            <a:noFill/>
-          </a:ln>
-        </p:spPr>
-      </p:pic>
-    </p:spTree>
-    <p:extLst>
-      <p:ext uri="{BB962C8B-B14F-4D97-AF65-F5344CB8AC3E}">
-        <p14:creationId xmlns:p14="http://schemas.microsoft.com/office/powerpoint/2010/main" val="2145206162"/>
-      </p:ext>
-    </p:extLst>
-  </p:cSld>
-  <p:clrMapOvr>
-    <a:masterClrMapping/>
-  </p:clrMapOvr>
-  <p:timing>
-    <p:tnLst>
-      <p:par>
-        <p:cTn id="1" dur="indefinite" restart="never" nodeType="tmRoot"/>
-      </p:par>
-    </p:tnLst>
-  </p:timing>
-</p:sld>
-</file>
-
-<file path=ppt/slides/slide7.xml><?xml version="1.0" encoding="utf-8"?>
-<p:sld xmlns:a="http://schemas.openxmlformats.org/drawingml/2006/main" xmlns:r="http://schemas.openxmlformats.org/officeDocument/2006/relationships" xmlns:p="http://schemas.openxmlformats.org/presentationml/2006/main">
-  <p:cSld>
-    <p:spTree>
-      <p:nvGrpSpPr>
-        <p:cNvPr id="1" name=""/>
-        <p:cNvGrpSpPr/>
-        <p:nvPr/>
-      </p:nvGrpSpPr>
-      <p:grpSpPr>
-        <a:xfrm>
-          <a:off x="0" y="0"/>
-          <a:ext cx="0" cy="0"/>
-          <a:chOff x="0" y="0"/>
-          <a:chExt cx="0" cy="0"/>
-        </a:xfrm>
-      </p:grpSpPr>
-      <p:sp>
-        <p:nvSpPr>
-          <p:cNvPr id="2" name="CuadroTexto 1"/>
-          <p:cNvSpPr txBox="1"/>
-          <p:nvPr/>
-        </p:nvSpPr>
-        <p:spPr>
-          <a:xfrm>
-            <a:off x="509443" y="555030"/>
-            <a:ext cx="2389387" cy="369332"/>
-          </a:xfrm>
-          <a:prstGeom prst="rect">
-            <a:avLst/>
-          </a:prstGeom>
-          <a:noFill/>
-        </p:spPr>
-        <p:txBody>
-          <a:bodyPr wrap="square" rtlCol="0">
-            <a:spAutoFit/>
-          </a:bodyPr>
-          <a:lstStyle/>
-          <a:p>
-            <a:endParaRPr lang="es-ES" dirty="0">
-              <a:solidFill>
-                <a:schemeClr val="tx1">
-                  <a:lumMod val="75000"/>
-                  <a:lumOff val="25000"/>
-                </a:schemeClr>
-              </a:solidFill>
-            </a:endParaRPr>
-          </a:p>
-        </p:txBody>
-      </p:sp>
-      <p:sp>
-        <p:nvSpPr>
-          <p:cNvPr id="4" name="CuadroTexto 3">
-            <a:extLst>
-              <a:ext uri="{FF2B5EF4-FFF2-40B4-BE49-F238E27FC236}">
-                <a16:creationId xmlns:a16="http://schemas.microsoft.com/office/drawing/2014/main" id="{550F382D-5E69-45ED-A7FA-28FFA7034733}"/>
-              </a:ext>
-            </a:extLst>
-          </p:cNvPr>
-          <p:cNvSpPr txBox="1"/>
-          <p:nvPr/>
-        </p:nvSpPr>
-        <p:spPr>
-          <a:xfrm>
-            <a:off x="44371" y="370364"/>
-            <a:ext cx="4589974" cy="553998"/>
-          </a:xfrm>
-          <a:prstGeom prst="rect">
-            <a:avLst/>
-          </a:prstGeom>
-          <a:noFill/>
-        </p:spPr>
-        <p:txBody>
-          <a:bodyPr wrap="square" rtlCol="0">
-            <a:spAutoFit/>
-          </a:bodyPr>
-          <a:lstStyle/>
-          <a:p>
-            <a:pPr lvl="1"/>
-            <a:r>
-              <a:rPr lang="es-ES" sz="3000" b="1" dirty="0" smtClean="0">
-                <a:solidFill>
-                  <a:schemeClr val="tx1">
-                    <a:lumMod val="75000"/>
-                    <a:lumOff val="25000"/>
-                  </a:schemeClr>
-                </a:solidFill>
-                <a:latin typeface="Roboto" panose="02000000000000000000" pitchFamily="2" charset="0"/>
-                <a:ea typeface="Roboto" panose="02000000000000000000" pitchFamily="2" charset="0"/>
-              </a:rPr>
-              <a:t>¿Preguntas?</a:t>
-            </a:r>
-            <a:endParaRPr lang="es-ES" sz="3000" b="1" dirty="0">
-              <a:solidFill>
-                <a:schemeClr val="tx1">
-                  <a:lumMod val="75000"/>
-                  <a:lumOff val="25000"/>
-                </a:schemeClr>
-              </a:solidFill>
-              <a:latin typeface="Roboto" panose="02000000000000000000" pitchFamily="2" charset="0"/>
-              <a:ea typeface="Roboto" panose="02000000000000000000" pitchFamily="2" charset="0"/>
-            </a:endParaRPr>
-          </a:p>
-        </p:txBody>
-      </p:sp>
-      <p:sp>
-        <p:nvSpPr>
-          <p:cNvPr id="3" name="Rectángulo 2"/>
-          <p:cNvSpPr/>
-          <p:nvPr/>
-        </p:nvSpPr>
-        <p:spPr>
-          <a:xfrm>
-            <a:off x="509443" y="1106480"/>
-            <a:ext cx="3511839" cy="1292662"/>
-          </a:xfrm>
-          <a:prstGeom prst="rect">
-            <a:avLst/>
-          </a:prstGeom>
-        </p:spPr>
-        <p:txBody>
-          <a:bodyPr wrap="square">
-            <a:spAutoFit/>
-          </a:bodyPr>
-          <a:lstStyle/>
-          <a:p>
-            <a:pPr lvl="0" algn="just">
-              <a:buClr>
-                <a:srgbClr val="FEFEFE"/>
-              </a:buClr>
-              <a:buSzPts val="2000"/>
-            </a:pPr>
-            <a:r>
-              <a:rPr lang="es-CO" sz="1300" b="1" dirty="0" smtClean="0">
-                <a:latin typeface="Roboto"/>
-                <a:ea typeface="Roboto"/>
-                <a:cs typeface="Roboto"/>
-                <a:sym typeface="Roboto"/>
-              </a:rPr>
-              <a:t>Técnico</a:t>
-            </a:r>
-            <a:endParaRPr lang="es-CO" sz="1300" b="1" dirty="0">
-              <a:latin typeface="Roboto"/>
-              <a:ea typeface="Roboto"/>
-              <a:cs typeface="Roboto"/>
-              <a:sym typeface="Roboto"/>
-            </a:endParaRPr>
-          </a:p>
-          <a:p>
-            <a:pPr lvl="0" algn="just">
-              <a:buClr>
-                <a:srgbClr val="FEFEFE"/>
-              </a:buClr>
-              <a:buSzPts val="2000"/>
-            </a:pPr>
-            <a:endParaRPr lang="es-CO" sz="1300" b="1" dirty="0">
-              <a:latin typeface="Roboto"/>
-              <a:ea typeface="Roboto"/>
-              <a:cs typeface="Roboto"/>
-              <a:sym typeface="Roboto"/>
-            </a:endParaRPr>
-          </a:p>
-          <a:p>
-            <a:pPr lvl="0" algn="just">
-              <a:buClr>
-                <a:schemeClr val="dk1"/>
-              </a:buClr>
-              <a:buSzPts val="1100"/>
-            </a:pPr>
-            <a:r>
-              <a:rPr lang="es-CO" sz="1300" b="1" dirty="0" smtClean="0">
-                <a:latin typeface="Roboto"/>
-                <a:ea typeface="Roboto"/>
-                <a:cs typeface="Roboto"/>
-                <a:sym typeface="Roboto"/>
-              </a:rPr>
-              <a:t>¿Falla más común en un articulado?</a:t>
-            </a:r>
-            <a:endParaRPr lang="es-CO" sz="1300" b="1" dirty="0">
-              <a:latin typeface="Roboto"/>
-              <a:ea typeface="Roboto"/>
-              <a:cs typeface="Roboto"/>
-              <a:sym typeface="Roboto"/>
-            </a:endParaRPr>
-          </a:p>
-          <a:p>
-            <a:pPr lvl="0" algn="just"/>
-            <a:r>
-              <a:rPr lang="es-CO" sz="1300" dirty="0" smtClean="0">
-                <a:latin typeface="Roboto"/>
-                <a:ea typeface="Roboto"/>
-                <a:cs typeface="Roboto"/>
-                <a:sym typeface="Roboto"/>
-              </a:rPr>
-              <a:t>Ingresa </a:t>
-            </a:r>
-            <a:r>
-              <a:rPr lang="es-CO" sz="1300" dirty="0">
-                <a:latin typeface="Roboto"/>
-                <a:ea typeface="Roboto"/>
-                <a:cs typeface="Roboto"/>
-                <a:sym typeface="Roboto"/>
-              </a:rPr>
-              <a:t>con problemas mas que todo </a:t>
-            </a:r>
-            <a:r>
-              <a:rPr lang="es-CO" sz="1300" dirty="0" smtClean="0">
-                <a:latin typeface="Roboto"/>
-                <a:ea typeface="Roboto"/>
-                <a:cs typeface="Roboto"/>
-                <a:sym typeface="Roboto"/>
-              </a:rPr>
-              <a:t>mecánicos </a:t>
-            </a:r>
-            <a:r>
-              <a:rPr lang="es-CO" sz="1300" dirty="0">
-                <a:latin typeface="Roboto"/>
-                <a:ea typeface="Roboto"/>
-                <a:cs typeface="Roboto"/>
-                <a:sym typeface="Roboto"/>
-              </a:rPr>
-              <a:t>en algunas ocasiones se pueden </a:t>
-            </a:r>
-            <a:r>
-              <a:rPr lang="es-CO" sz="1300" dirty="0" smtClean="0">
-                <a:latin typeface="Roboto"/>
-                <a:ea typeface="Roboto"/>
-                <a:cs typeface="Roboto"/>
-                <a:sym typeface="Roboto"/>
-              </a:rPr>
-              <a:t>varar </a:t>
-            </a:r>
-            <a:r>
-              <a:rPr lang="es-CO" sz="1300" dirty="0">
-                <a:latin typeface="Roboto"/>
-                <a:ea typeface="Roboto"/>
-                <a:cs typeface="Roboto"/>
-                <a:sym typeface="Roboto"/>
-              </a:rPr>
-              <a:t>en </a:t>
-            </a:r>
-            <a:r>
-              <a:rPr lang="es-CO" sz="1300" dirty="0" smtClean="0">
-                <a:latin typeface="Roboto"/>
-                <a:ea typeface="Roboto"/>
-                <a:cs typeface="Roboto"/>
-                <a:sym typeface="Roboto"/>
-              </a:rPr>
-              <a:t>circulación</a:t>
-            </a:r>
-            <a:r>
-              <a:rPr lang="es-CO" sz="1300" b="1" dirty="0" smtClean="0">
-                <a:latin typeface="Roboto"/>
-                <a:ea typeface="Roboto"/>
-                <a:cs typeface="Roboto"/>
-                <a:sym typeface="Roboto"/>
-              </a:rPr>
-              <a:t> </a:t>
-            </a:r>
-            <a:endParaRPr lang="es-CO" sz="1300" b="1" dirty="0">
-              <a:latin typeface="Roboto"/>
-              <a:ea typeface="Roboto"/>
-              <a:cs typeface="Roboto"/>
-              <a:sym typeface="Roboto"/>
-            </a:endParaRPr>
-          </a:p>
-        </p:txBody>
-      </p:sp>
-      <p:sp>
-        <p:nvSpPr>
-          <p:cNvPr id="5" name="Rectángulo 4"/>
-          <p:cNvSpPr/>
-          <p:nvPr/>
-        </p:nvSpPr>
-        <p:spPr>
-          <a:xfrm>
-            <a:off x="509443" y="2818808"/>
-            <a:ext cx="3782002" cy="1692771"/>
-          </a:xfrm>
-          <a:prstGeom prst="rect">
-            <a:avLst/>
-          </a:prstGeom>
-        </p:spPr>
-        <p:txBody>
-          <a:bodyPr wrap="square">
-            <a:spAutoFit/>
-          </a:bodyPr>
-          <a:lstStyle/>
-          <a:p>
-            <a:pPr lvl="0" algn="just">
-              <a:buClr>
-                <a:srgbClr val="FEFEFE"/>
-              </a:buClr>
-              <a:buSzPts val="2000"/>
-            </a:pPr>
-            <a:r>
-              <a:rPr lang="es-CO" sz="1300" b="1" dirty="0">
-                <a:latin typeface="Roboto"/>
-                <a:ea typeface="Roboto"/>
-                <a:cs typeface="Roboto"/>
-                <a:sym typeface="Roboto"/>
-              </a:rPr>
-              <a:t>Inspector de </a:t>
-            </a:r>
-            <a:r>
-              <a:rPr lang="es-CO" sz="1300" b="1" dirty="0" smtClean="0">
-                <a:latin typeface="Roboto"/>
-                <a:ea typeface="Roboto"/>
-                <a:cs typeface="Roboto"/>
-                <a:sym typeface="Roboto"/>
-              </a:rPr>
-              <a:t>Mantenimiento</a:t>
-            </a:r>
-            <a:endParaRPr lang="es-CO" sz="1300" b="1" dirty="0">
-              <a:latin typeface="Roboto"/>
-              <a:ea typeface="Roboto"/>
-              <a:cs typeface="Roboto"/>
-              <a:sym typeface="Roboto"/>
-            </a:endParaRPr>
-          </a:p>
-          <a:p>
-            <a:pPr lvl="0" algn="just">
-              <a:buClr>
-                <a:srgbClr val="FEFEFE"/>
-              </a:buClr>
-              <a:buSzPts val="2000"/>
-            </a:pPr>
-            <a:endParaRPr lang="es-CO" sz="1300" b="1" dirty="0">
-              <a:latin typeface="Roboto"/>
-              <a:ea typeface="Roboto"/>
-              <a:cs typeface="Roboto"/>
-              <a:sym typeface="Roboto"/>
-            </a:endParaRPr>
-          </a:p>
-          <a:p>
-            <a:pPr lvl="0" algn="just">
-              <a:buClr>
-                <a:schemeClr val="dk1"/>
-              </a:buClr>
-              <a:buSzPts val="1100"/>
-            </a:pPr>
-            <a:r>
-              <a:rPr lang="es-CO" sz="1300" b="1" dirty="0">
-                <a:latin typeface="Roboto"/>
-                <a:ea typeface="Roboto"/>
-                <a:cs typeface="Roboto"/>
-                <a:sym typeface="Roboto"/>
-              </a:rPr>
-              <a:t>¿Tiempo de salir e ingresar un articulado?</a:t>
-            </a:r>
-          </a:p>
-          <a:p>
-            <a:pPr lvl="0" algn="just">
-              <a:buClr>
-                <a:schemeClr val="dk1"/>
-              </a:buClr>
-              <a:buSzPts val="1100"/>
-            </a:pPr>
-            <a:r>
-              <a:rPr lang="es-CO" sz="1300" dirty="0">
-                <a:latin typeface="Roboto"/>
-                <a:ea typeface="Roboto"/>
-                <a:cs typeface="Roboto"/>
-                <a:sym typeface="Roboto"/>
-              </a:rPr>
-              <a:t>C</a:t>
-            </a:r>
-            <a:r>
-              <a:rPr lang="es-CO" sz="1300" dirty="0" smtClean="0">
-                <a:latin typeface="Roboto"/>
-                <a:ea typeface="Roboto"/>
-                <a:cs typeface="Roboto"/>
-                <a:sym typeface="Roboto"/>
-              </a:rPr>
-              <a:t>on </a:t>
-            </a:r>
-            <a:r>
-              <a:rPr lang="es-CO" sz="1300" dirty="0">
-                <a:latin typeface="Roboto"/>
-                <a:ea typeface="Roboto"/>
-                <a:cs typeface="Roboto"/>
-                <a:sym typeface="Roboto"/>
-              </a:rPr>
-              <a:t>la plantilla se demora aproximadamente  de 5 a 10 min mientras se deja todo escrito</a:t>
-            </a:r>
-          </a:p>
-          <a:p>
-            <a:pPr lvl="0" algn="just">
-              <a:buClr>
-                <a:schemeClr val="dk1"/>
-              </a:buClr>
-              <a:buSzPts val="1100"/>
-            </a:pPr>
-            <a:endParaRPr lang="es-CO" sz="1300" b="1" dirty="0">
-              <a:latin typeface="Roboto"/>
-              <a:ea typeface="Roboto"/>
-              <a:cs typeface="Roboto"/>
-              <a:sym typeface="Roboto"/>
-            </a:endParaRPr>
-          </a:p>
-          <a:p>
-            <a:pPr lvl="0" algn="just">
-              <a:buClr>
-                <a:schemeClr val="dk1"/>
-              </a:buClr>
-              <a:buSzPts val="1100"/>
-            </a:pPr>
-            <a:r>
-              <a:rPr lang="es-CO" sz="1300" b="1" dirty="0">
-                <a:latin typeface="Roboto"/>
-                <a:ea typeface="Roboto"/>
-                <a:cs typeface="Roboto"/>
-                <a:sym typeface="Roboto"/>
-              </a:rPr>
-              <a:t>¿Qué plantilla utiliza al ingreso de el vehículo?</a:t>
-            </a:r>
-          </a:p>
-          <a:p>
-            <a:pPr lvl="0" algn="just">
-              <a:buClr>
-                <a:schemeClr val="dk1"/>
-              </a:buClr>
-              <a:buSzPts val="1100"/>
-            </a:pPr>
-            <a:r>
-              <a:rPr lang="es-CO" sz="1300" dirty="0">
-                <a:latin typeface="Roboto"/>
-                <a:ea typeface="Roboto"/>
-                <a:cs typeface="Roboto"/>
-                <a:sym typeface="Roboto"/>
-              </a:rPr>
-              <a:t>l</a:t>
-            </a:r>
-            <a:r>
-              <a:rPr lang="es-CO" sz="1300" dirty="0" smtClean="0">
-                <a:latin typeface="Roboto"/>
-                <a:ea typeface="Roboto"/>
-                <a:cs typeface="Roboto"/>
-                <a:sym typeface="Roboto"/>
-              </a:rPr>
-              <a:t>a </a:t>
-            </a:r>
-            <a:r>
-              <a:rPr lang="es-CO" sz="1300" dirty="0">
-                <a:latin typeface="Roboto"/>
-                <a:ea typeface="Roboto"/>
-                <a:cs typeface="Roboto"/>
-                <a:sym typeface="Roboto"/>
-              </a:rPr>
-              <a:t>plantilla se llama fmt 45</a:t>
-            </a:r>
-            <a:endParaRPr lang="es-CO" sz="1300" dirty="0">
-              <a:latin typeface="Roboto"/>
-              <a:ea typeface="Roboto"/>
-              <a:cs typeface="Roboto"/>
-              <a:sym typeface="Roboto"/>
-            </a:endParaRPr>
-          </a:p>
-        </p:txBody>
-      </p:sp>
-      <p:sp>
-        <p:nvSpPr>
-          <p:cNvPr id="6" name="Rectángulo 5"/>
-          <p:cNvSpPr/>
-          <p:nvPr/>
-        </p:nvSpPr>
-        <p:spPr>
-          <a:xfrm>
-            <a:off x="4738254" y="1878904"/>
-            <a:ext cx="4031673" cy="1692771"/>
-          </a:xfrm>
-          <a:prstGeom prst="rect">
-            <a:avLst/>
-          </a:prstGeom>
-        </p:spPr>
-        <p:txBody>
-          <a:bodyPr wrap="square">
-            <a:spAutoFit/>
-          </a:bodyPr>
-          <a:lstStyle/>
-          <a:p>
-            <a:pPr lvl="0">
-              <a:buClr>
-                <a:srgbClr val="FEFEFE"/>
-              </a:buClr>
-              <a:buSzPts val="2000"/>
-            </a:pPr>
-            <a:r>
-              <a:rPr lang="es-CO" sz="1300" b="1" dirty="0">
-                <a:latin typeface="Roboto"/>
-                <a:ea typeface="Roboto"/>
-                <a:cs typeface="Roboto"/>
-                <a:sym typeface="Roboto"/>
-              </a:rPr>
-              <a:t>Supervisor de Mantenimiento</a:t>
-            </a:r>
-            <a:r>
-              <a:rPr lang="es-CO" sz="1300" b="1" dirty="0" smtClean="0">
-                <a:latin typeface="Roboto"/>
-                <a:ea typeface="Roboto"/>
-                <a:cs typeface="Roboto"/>
-                <a:sym typeface="Roboto"/>
-              </a:rPr>
-              <a:t>:</a:t>
-            </a:r>
-          </a:p>
-          <a:p>
-            <a:pPr lvl="0">
-              <a:buClr>
-                <a:srgbClr val="FEFEFE"/>
-              </a:buClr>
-              <a:buSzPts val="2000"/>
-            </a:pPr>
-            <a:endParaRPr lang="es-CO" sz="1300" b="1" dirty="0">
-              <a:latin typeface="Roboto"/>
-              <a:ea typeface="Roboto"/>
-              <a:cs typeface="Roboto"/>
-              <a:sym typeface="Roboto"/>
-            </a:endParaRPr>
-          </a:p>
-          <a:p>
-            <a:pPr lvl="0">
-              <a:buClr>
-                <a:schemeClr val="dk1"/>
-              </a:buClr>
-              <a:buSzPts val="1100"/>
-            </a:pPr>
-            <a:r>
-              <a:rPr lang="es-CO" sz="1300" b="1" dirty="0">
-                <a:latin typeface="Roboto"/>
-                <a:ea typeface="Roboto"/>
-                <a:cs typeface="Roboto"/>
-                <a:sym typeface="Roboto"/>
-              </a:rPr>
-              <a:t>¿Capacidad de articulados en los patios?</a:t>
-            </a:r>
-          </a:p>
-          <a:p>
-            <a:pPr lvl="0">
-              <a:buClr>
-                <a:schemeClr val="dk1"/>
-              </a:buClr>
-              <a:buSzPts val="1100"/>
-            </a:pPr>
-            <a:r>
-              <a:rPr lang="es-CO" sz="1300" dirty="0" smtClean="0">
-                <a:latin typeface="Roboto"/>
-                <a:ea typeface="Roboto"/>
-                <a:cs typeface="Roboto"/>
-                <a:sym typeface="Roboto"/>
-              </a:rPr>
-              <a:t>La </a:t>
-            </a:r>
-            <a:r>
-              <a:rPr lang="es-CO" sz="1300" dirty="0">
-                <a:latin typeface="Roboto"/>
-                <a:ea typeface="Roboto"/>
-                <a:cs typeface="Roboto"/>
-                <a:sym typeface="Roboto"/>
-              </a:rPr>
-              <a:t>capacidad está entre 150 a 185 </a:t>
-            </a:r>
-            <a:r>
-              <a:rPr lang="es-CO" sz="1300" dirty="0" smtClean="0">
-                <a:latin typeface="Roboto"/>
-                <a:ea typeface="Roboto"/>
-                <a:cs typeface="Roboto"/>
-                <a:sym typeface="Roboto"/>
-              </a:rPr>
-              <a:t>vehículos</a:t>
-            </a:r>
-          </a:p>
-          <a:p>
-            <a:pPr lvl="0">
-              <a:buClr>
-                <a:schemeClr val="dk1"/>
-              </a:buClr>
-              <a:buSzPts val="1100"/>
-            </a:pPr>
-            <a:endParaRPr lang="es-CO" sz="1300" dirty="0">
-              <a:latin typeface="Roboto"/>
-              <a:ea typeface="Roboto"/>
-              <a:cs typeface="Roboto"/>
-              <a:sym typeface="Roboto"/>
-            </a:endParaRPr>
-          </a:p>
-          <a:p>
-            <a:pPr lvl="0" algn="just">
-              <a:buClr>
-                <a:schemeClr val="dk1"/>
-              </a:buClr>
-              <a:buSzPts val="1100"/>
-            </a:pPr>
-            <a:r>
-              <a:rPr lang="es-CO" sz="1300" b="1" dirty="0" smtClean="0">
-                <a:latin typeface="Roboto"/>
-                <a:ea typeface="Roboto"/>
-                <a:cs typeface="Roboto"/>
-                <a:sym typeface="Roboto"/>
-              </a:rPr>
-              <a:t>¿Cuantos </a:t>
-            </a:r>
-            <a:r>
-              <a:rPr lang="es-CO" sz="1300" b="1" dirty="0">
-                <a:latin typeface="Roboto"/>
-                <a:ea typeface="Roboto"/>
-                <a:cs typeface="Roboto"/>
-                <a:sym typeface="Roboto"/>
-              </a:rPr>
-              <a:t>tipos de técnicos hay en los patios?</a:t>
-            </a:r>
-          </a:p>
-          <a:p>
-            <a:pPr lvl="0">
-              <a:buClr>
-                <a:schemeClr val="dk1"/>
-              </a:buClr>
-              <a:buSzPts val="1100"/>
-            </a:pPr>
-            <a:r>
-              <a:rPr lang="es-CO" sz="1300" dirty="0" smtClean="0">
-                <a:latin typeface="Roboto"/>
-                <a:ea typeface="Roboto"/>
-                <a:cs typeface="Roboto"/>
-                <a:sym typeface="Roboto"/>
-              </a:rPr>
-              <a:t>Tenemos </a:t>
-            </a:r>
-            <a:r>
-              <a:rPr lang="es-CO" sz="1300" dirty="0">
-                <a:latin typeface="Roboto"/>
-                <a:ea typeface="Roboto"/>
-                <a:cs typeface="Roboto"/>
-                <a:sym typeface="Roboto"/>
-              </a:rPr>
-              <a:t>3 tipos de técnicos ( carroceros, mecánicos, eléctrico)</a:t>
-            </a:r>
-            <a:endParaRPr lang="es-CO" sz="1300" dirty="0">
-              <a:latin typeface="Roboto"/>
-              <a:ea typeface="Roboto"/>
-              <a:cs typeface="Roboto"/>
-              <a:sym typeface="Roboto"/>
-            </a:endParaRPr>
-          </a:p>
-        </p:txBody>
-      </p:sp>
-    </p:spTree>
-    <p:extLst>
-      <p:ext uri="{BB962C8B-B14F-4D97-AF65-F5344CB8AC3E}">
-        <p14:creationId xmlns:p14="http://schemas.microsoft.com/office/powerpoint/2010/main" val="4196278833"/>
-      </p:ext>
-    </p:extLst>
-  </p:cSld>
-  <p:clrMapOvr>
-    <a:masterClrMapping/>
-  </p:clrMapOvr>
-  <p:timing>
-    <p:tnLst>
-      <p:par>
-        <p:cTn id="1" dur="indefinite" restart="never" nodeType="tmRoot"/>
-      </p:par>
-    </p:tnLst>
-  </p:timing>
-</p:sld>
-</file>
-
-<file path=ppt/slides/slide8.xml><?xml version="1.0" encoding="utf-8"?>
+<file path=ppt/slides/slide10.xml><?xml version="1.0" encoding="utf-8"?>
 <p:sld xmlns:a="http://schemas.openxmlformats.org/drawingml/2006/main" xmlns:r="http://schemas.openxmlformats.org/officeDocument/2006/relationships" xmlns:p="http://schemas.openxmlformats.org/presentationml/2006/main">
   <p:cSld>
     <p:spTree>
@@ -4186,13 +2600,1726 @@
   <p:clrMapOvr>
     <a:masterClrMapping/>
   </p:clrMapOvr>
-  <p:timing>
-    <p:tnLst>
-      <p:par>
-        <p:cTn id="1" dur="indefinite" restart="never" nodeType="tmRoot"/>
-      </p:par>
-    </p:tnLst>
-  </p:timing>
+</p:sld>
+</file>
+
+<file path=ppt/slides/slide2.xml><?xml version="1.0" encoding="utf-8"?>
+<p:sld xmlns:a="http://schemas.openxmlformats.org/drawingml/2006/main" xmlns:r="http://schemas.openxmlformats.org/officeDocument/2006/relationships" xmlns:p="http://schemas.openxmlformats.org/presentationml/2006/main">
+  <p:cSld>
+    <p:spTree>
+      <p:nvGrpSpPr>
+        <p:cNvPr id="1" name=""/>
+        <p:cNvGrpSpPr/>
+        <p:nvPr/>
+      </p:nvGrpSpPr>
+      <p:grpSpPr>
+        <a:xfrm>
+          <a:off x="0" y="0"/>
+          <a:ext cx="0" cy="0"/>
+          <a:chOff x="0" y="0"/>
+          <a:chExt cx="0" cy="0"/>
+        </a:xfrm>
+      </p:grpSpPr>
+      <p:sp>
+        <p:nvSpPr>
+          <p:cNvPr id="2" name="CuadroTexto 1"/>
+          <p:cNvSpPr txBox="1"/>
+          <p:nvPr/>
+        </p:nvSpPr>
+        <p:spPr>
+          <a:xfrm>
+            <a:off x="794779" y="555030"/>
+            <a:ext cx="2389387" cy="369332"/>
+          </a:xfrm>
+          <a:prstGeom prst="rect">
+            <a:avLst/>
+          </a:prstGeom>
+          <a:noFill/>
+        </p:spPr>
+        <p:txBody>
+          <a:bodyPr wrap="square" rtlCol="0">
+            <a:spAutoFit/>
+          </a:bodyPr>
+          <a:lstStyle/>
+          <a:p>
+            <a:endParaRPr lang="es-ES" dirty="0">
+              <a:solidFill>
+                <a:schemeClr val="tx1">
+                  <a:lumMod val="75000"/>
+                  <a:lumOff val="25000"/>
+                </a:schemeClr>
+              </a:solidFill>
+            </a:endParaRPr>
+          </a:p>
+        </p:txBody>
+      </p:sp>
+      <p:sp>
+        <p:nvSpPr>
+          <p:cNvPr id="5" name="CuadroTexto 4">
+            <a:extLst>
+              <a:ext uri="{FF2B5EF4-FFF2-40B4-BE49-F238E27FC236}">
+                <a16:creationId xmlns:a16="http://schemas.microsoft.com/office/drawing/2014/main" id="{550F382D-5E69-45ED-A7FA-28FFA7034733}"/>
+              </a:ext>
+            </a:extLst>
+          </p:cNvPr>
+          <p:cNvSpPr txBox="1"/>
+          <p:nvPr/>
+        </p:nvSpPr>
+        <p:spPr>
+          <a:xfrm>
+            <a:off x="0" y="739696"/>
+            <a:ext cx="3054927" cy="553998"/>
+          </a:xfrm>
+          <a:prstGeom prst="rect">
+            <a:avLst/>
+          </a:prstGeom>
+          <a:noFill/>
+        </p:spPr>
+        <p:txBody>
+          <a:bodyPr wrap="square" rtlCol="0">
+            <a:spAutoFit/>
+          </a:bodyPr>
+          <a:lstStyle/>
+          <a:p>
+            <a:pPr lvl="1" algn="just"/>
+            <a:r>
+              <a:rPr lang="es-ES" sz="3000" b="1" dirty="0">
+                <a:solidFill>
+                  <a:schemeClr val="tx1">
+                    <a:lumMod val="75000"/>
+                    <a:lumOff val="25000"/>
+                  </a:schemeClr>
+                </a:solidFill>
+                <a:latin typeface="Roboto" panose="02000000000000000000" pitchFamily="2" charset="0"/>
+                <a:ea typeface="Roboto" panose="02000000000000000000" pitchFamily="2" charset="0"/>
+              </a:rPr>
+              <a:t>Introducción</a:t>
+            </a:r>
+          </a:p>
+        </p:txBody>
+      </p:sp>
+      <p:sp>
+        <p:nvSpPr>
+          <p:cNvPr id="6" name="Rectángulo 5"/>
+          <p:cNvSpPr/>
+          <p:nvPr/>
+        </p:nvSpPr>
+        <p:spPr>
+          <a:xfrm>
+            <a:off x="31898" y="944957"/>
+            <a:ext cx="4572000" cy="565539"/>
+          </a:xfrm>
+          <a:prstGeom prst="rect">
+            <a:avLst/>
+          </a:prstGeom>
+        </p:spPr>
+        <p:txBody>
+          <a:bodyPr>
+            <a:spAutoFit/>
+          </a:bodyPr>
+          <a:lstStyle/>
+          <a:p>
+            <a:pPr marL="539750">
+              <a:lnSpc>
+                <a:spcPct val="200000"/>
+              </a:lnSpc>
+              <a:spcAft>
+                <a:spcPts val="0"/>
+              </a:spcAft>
+            </a:pPr>
+            <a:endParaRPr lang="es-CO" kern="100" dirty="0">
+              <a:latin typeface="Roboto" panose="02000000000000000000" pitchFamily="2" charset="0"/>
+              <a:ea typeface="Roboto" panose="02000000000000000000" pitchFamily="2" charset="0"/>
+              <a:cs typeface="Noto Sans Devanagari"/>
+            </a:endParaRPr>
+          </a:p>
+        </p:txBody>
+      </p:sp>
+      <p:pic>
+        <p:nvPicPr>
+          <p:cNvPr id="7" name="Imagen 6"/>
+          <p:cNvPicPr>
+            <a:picLocks noChangeAspect="1"/>
+          </p:cNvPicPr>
+          <p:nvPr/>
+        </p:nvPicPr>
+        <p:blipFill>
+          <a:blip r:embed="rId2">
+            <a:extLst>
+              <a:ext uri="{28A0092B-C50C-407E-A947-70E740481C1C}">
+                <a14:useLocalDpi xmlns:a14="http://schemas.microsoft.com/office/drawing/2010/main" val="0"/>
+              </a:ext>
+            </a:extLst>
+          </a:blip>
+          <a:stretch>
+            <a:fillRect/>
+          </a:stretch>
+        </p:blipFill>
+        <p:spPr>
+          <a:xfrm>
+            <a:off x="5821199" y="1888024"/>
+            <a:ext cx="2896004" cy="1305107"/>
+          </a:xfrm>
+          <a:prstGeom prst="rect">
+            <a:avLst/>
+          </a:prstGeom>
+        </p:spPr>
+      </p:pic>
+      <p:sp>
+        <p:nvSpPr>
+          <p:cNvPr id="8" name="CuadroTexto 7">
+            <a:extLst>
+              <a:ext uri="{FF2B5EF4-FFF2-40B4-BE49-F238E27FC236}">
+                <a16:creationId xmlns:a16="http://schemas.microsoft.com/office/drawing/2014/main" id="{550F382D-5E69-45ED-A7FA-28FFA7034733}"/>
+              </a:ext>
+            </a:extLst>
+          </p:cNvPr>
+          <p:cNvSpPr txBox="1"/>
+          <p:nvPr/>
+        </p:nvSpPr>
+        <p:spPr>
+          <a:xfrm>
+            <a:off x="426797" y="1625337"/>
+            <a:ext cx="5268961" cy="1892826"/>
+          </a:xfrm>
+          <a:prstGeom prst="rect">
+            <a:avLst/>
+          </a:prstGeom>
+          <a:noFill/>
+        </p:spPr>
+        <p:txBody>
+          <a:bodyPr wrap="square" rtlCol="0">
+            <a:spAutoFit/>
+          </a:bodyPr>
+          <a:lstStyle/>
+          <a:p>
+            <a:pPr algn="just"/>
+            <a:r>
+              <a:rPr lang="es-CO" sz="1300" dirty="0">
+                <a:latin typeface="Roboto" panose="02000000000000000000" pitchFamily="2" charset="0"/>
+                <a:ea typeface="Roboto" panose="02000000000000000000" pitchFamily="2" charset="0"/>
+              </a:rPr>
+              <a:t>El sistema integrado de transporte publico de Bogotá (</a:t>
+            </a:r>
+            <a:r>
+              <a:rPr lang="es-CO" sz="1300" i="1" dirty="0">
+                <a:latin typeface="Roboto" panose="02000000000000000000" pitchFamily="2" charset="0"/>
+                <a:ea typeface="Roboto" panose="02000000000000000000" pitchFamily="2" charset="0"/>
+              </a:rPr>
+              <a:t>Transmilenio</a:t>
+            </a:r>
+            <a:r>
+              <a:rPr lang="es-CO" sz="1300" dirty="0">
+                <a:latin typeface="Roboto" panose="02000000000000000000" pitchFamily="2" charset="0"/>
+                <a:ea typeface="Roboto" panose="02000000000000000000" pitchFamily="2" charset="0"/>
+              </a:rPr>
+              <a:t>, 2022)es gobernado a nivel administrativo por un eje central:  que tiene como visión en Bogotá “gestionar el sistema integrado de transporte publico de Bogotá orientado hacia el mejoramiento de la calidad de vida de los usuarios y procurando la integración de la ciudad con la región.</a:t>
+            </a:r>
+          </a:p>
+          <a:p>
+            <a:pPr algn="just"/>
+            <a:r>
+              <a:rPr lang="es-CO" sz="1300" dirty="0">
+                <a:latin typeface="Roboto" panose="02000000000000000000" pitchFamily="2" charset="0"/>
+                <a:ea typeface="Roboto" panose="02000000000000000000" pitchFamily="2" charset="0"/>
+              </a:rPr>
+              <a:t>Esta red integrada compromete una flota de: </a:t>
+            </a:r>
+            <a:r>
+              <a:rPr lang="es-CO" sz="1300" b="1" dirty="0">
+                <a:latin typeface="Roboto" panose="02000000000000000000" pitchFamily="2" charset="0"/>
+                <a:ea typeface="Roboto" panose="02000000000000000000" pitchFamily="2" charset="0"/>
+              </a:rPr>
+              <a:t>Alimentadores, articulados y urbanos. </a:t>
+            </a:r>
+            <a:r>
+              <a:rPr lang="es-CO" sz="1300" dirty="0">
+                <a:latin typeface="Roboto" panose="02000000000000000000" pitchFamily="2" charset="0"/>
+                <a:ea typeface="Roboto" panose="02000000000000000000" pitchFamily="2" charset="0"/>
+              </a:rPr>
+              <a:t>Que a su vez están organizados por consorcios que gobiernan ciertos corredores.</a:t>
+            </a:r>
+            <a:endParaRPr lang="es-ES" sz="1300" b="1" dirty="0">
+              <a:solidFill>
+                <a:schemeClr val="tx1">
+                  <a:lumMod val="75000"/>
+                  <a:lumOff val="25000"/>
+                </a:schemeClr>
+              </a:solidFill>
+              <a:latin typeface="Roboto" panose="02000000000000000000" pitchFamily="2" charset="0"/>
+              <a:ea typeface="Roboto" panose="02000000000000000000" pitchFamily="2" charset="0"/>
+            </a:endParaRPr>
+          </a:p>
+        </p:txBody>
+      </p:sp>
+    </p:spTree>
+    <p:extLst>
+      <p:ext uri="{BB962C8B-B14F-4D97-AF65-F5344CB8AC3E}">
+        <p14:creationId xmlns:p14="http://schemas.microsoft.com/office/powerpoint/2010/main" val="2192973885"/>
+      </p:ext>
+    </p:extLst>
+  </p:cSld>
+  <p:clrMapOvr>
+    <a:masterClrMapping/>
+  </p:clrMapOvr>
+</p:sld>
+</file>
+
+<file path=ppt/slides/slide3.xml><?xml version="1.0" encoding="utf-8"?>
+<p:sld xmlns:a="http://schemas.openxmlformats.org/drawingml/2006/main" xmlns:r="http://schemas.openxmlformats.org/officeDocument/2006/relationships" xmlns:p="http://schemas.openxmlformats.org/presentationml/2006/main">
+  <p:cSld>
+    <p:spTree>
+      <p:nvGrpSpPr>
+        <p:cNvPr id="1" name=""/>
+        <p:cNvGrpSpPr/>
+        <p:nvPr/>
+      </p:nvGrpSpPr>
+      <p:grpSpPr>
+        <a:xfrm>
+          <a:off x="0" y="0"/>
+          <a:ext cx="0" cy="0"/>
+          <a:chOff x="0" y="0"/>
+          <a:chExt cx="0" cy="0"/>
+        </a:xfrm>
+      </p:grpSpPr>
+      <p:sp>
+        <p:nvSpPr>
+          <p:cNvPr id="2" name="CuadroTexto 1"/>
+          <p:cNvSpPr txBox="1"/>
+          <p:nvPr/>
+        </p:nvSpPr>
+        <p:spPr>
+          <a:xfrm>
+            <a:off x="509443" y="555030"/>
+            <a:ext cx="2389387" cy="369332"/>
+          </a:xfrm>
+          <a:prstGeom prst="rect">
+            <a:avLst/>
+          </a:prstGeom>
+          <a:noFill/>
+        </p:spPr>
+        <p:txBody>
+          <a:bodyPr wrap="square" rtlCol="0">
+            <a:spAutoFit/>
+          </a:bodyPr>
+          <a:lstStyle/>
+          <a:p>
+            <a:endParaRPr lang="es-ES" dirty="0">
+              <a:solidFill>
+                <a:schemeClr val="tx1">
+                  <a:lumMod val="75000"/>
+                  <a:lumOff val="25000"/>
+                </a:schemeClr>
+              </a:solidFill>
+            </a:endParaRPr>
+          </a:p>
+        </p:txBody>
+      </p:sp>
+      <p:sp>
+        <p:nvSpPr>
+          <p:cNvPr id="4" name="CuadroTexto 3">
+            <a:extLst>
+              <a:ext uri="{FF2B5EF4-FFF2-40B4-BE49-F238E27FC236}">
+                <a16:creationId xmlns:a16="http://schemas.microsoft.com/office/drawing/2014/main" id="{550F382D-5E69-45ED-A7FA-28FFA7034733}"/>
+              </a:ext>
+            </a:extLst>
+          </p:cNvPr>
+          <p:cNvSpPr txBox="1"/>
+          <p:nvPr/>
+        </p:nvSpPr>
+        <p:spPr>
+          <a:xfrm>
+            <a:off x="-213783" y="462697"/>
+            <a:ext cx="3835838" cy="553998"/>
+          </a:xfrm>
+          <a:prstGeom prst="rect">
+            <a:avLst/>
+          </a:prstGeom>
+          <a:noFill/>
+        </p:spPr>
+        <p:txBody>
+          <a:bodyPr wrap="square" rtlCol="0">
+            <a:spAutoFit/>
+          </a:bodyPr>
+          <a:lstStyle/>
+          <a:p>
+            <a:pPr lvl="1"/>
+            <a:r>
+              <a:rPr lang="es-ES" sz="3000" b="1" dirty="0">
+                <a:solidFill>
+                  <a:schemeClr val="tx1">
+                    <a:lumMod val="75000"/>
+                    <a:lumOff val="25000"/>
+                  </a:schemeClr>
+                </a:solidFill>
+                <a:latin typeface="Roboto" panose="02000000000000000000" pitchFamily="2" charset="0"/>
+                <a:ea typeface="Roboto" panose="02000000000000000000" pitchFamily="2" charset="0"/>
+              </a:rPr>
+              <a:t>Justificación</a:t>
+            </a:r>
+          </a:p>
+        </p:txBody>
+      </p:sp>
+      <p:sp>
+        <p:nvSpPr>
+          <p:cNvPr id="3" name="Rectángulo 2">
+            <a:extLst>
+              <a:ext uri="{FF2B5EF4-FFF2-40B4-BE49-F238E27FC236}">
+                <a16:creationId xmlns:a16="http://schemas.microsoft.com/office/drawing/2014/main" id="{F66849B9-E765-4A11-B727-02653A16BAF1}"/>
+              </a:ext>
+            </a:extLst>
+          </p:cNvPr>
+          <p:cNvSpPr/>
+          <p:nvPr/>
+        </p:nvSpPr>
+        <p:spPr>
+          <a:xfrm>
+            <a:off x="-213783" y="930964"/>
+            <a:ext cx="9283355" cy="4893134"/>
+          </a:xfrm>
+          <a:prstGeom prst="rect">
+            <a:avLst/>
+          </a:prstGeom>
+        </p:spPr>
+        <p:txBody>
+          <a:bodyPr wrap="square">
+            <a:spAutoFit/>
+          </a:bodyPr>
+          <a:lstStyle/>
+          <a:p>
+            <a:pPr marL="539750" algn="just">
+              <a:lnSpc>
+                <a:spcPct val="200000"/>
+              </a:lnSpc>
+              <a:spcAft>
+                <a:spcPts val="0"/>
+              </a:spcAft>
+            </a:pPr>
+            <a:r>
+              <a:rPr lang="es-ES" sz="1200" kern="150" dirty="0">
+                <a:latin typeface="Roboto" panose="02000000000000000000"/>
+                <a:ea typeface="Source Han Sans CN"/>
+                <a:cs typeface="Noto Sans Devanagari"/>
+              </a:rPr>
+              <a:t>Un sistema es: “ un conjunto de partes que actúan de manera interrelacionada y forman parte de un todo y están sujetos a la influencia de algún tipo de interacción definida por un periodo de tiempo”</a:t>
+            </a:r>
+          </a:p>
+          <a:p>
+            <a:pPr marL="539750" algn="just">
+              <a:lnSpc>
+                <a:spcPct val="200000"/>
+              </a:lnSpc>
+              <a:spcAft>
+                <a:spcPts val="0"/>
+              </a:spcAft>
+            </a:pPr>
+            <a:r>
+              <a:rPr lang="es-ES" sz="1200" kern="150" dirty="0">
+                <a:latin typeface="Roboto" panose="02000000000000000000"/>
+                <a:ea typeface="Source Han Sans CN"/>
+                <a:cs typeface="Noto Sans Devanagari"/>
+              </a:rPr>
+              <a:t>Siendo así  el sistema de entrada y salida vehicular  esta compuesto de las siguientes partes: inspección visual: Frenos, Suspensión, Motor y Sistema de Combustible, Transmisión  Sistema de Dirección y Ruedas, Carrocería y Cabina Conductor, Sistema y Equipos Eléctricos, Emisiones de Gases y Ruidos, Puertas, Sillas y Pasamanos, Pisos y Tableros; Comunicación y Señalética , Equipos de Seguridad, Equipos de Recaudo y control de la operación. Aseo (Interno y Externo)</a:t>
+            </a:r>
+          </a:p>
+          <a:p>
+            <a:pPr marL="539750" algn="just">
+              <a:lnSpc>
+                <a:spcPct val="200000"/>
+              </a:lnSpc>
+              <a:spcAft>
+                <a:spcPts val="0"/>
+              </a:spcAft>
+            </a:pPr>
+            <a:r>
+              <a:rPr lang="es-ES" sz="1200" kern="150" dirty="0">
+                <a:latin typeface="Roboto" panose="02000000000000000000"/>
+                <a:ea typeface="Source Han Sans CN"/>
+                <a:cs typeface="Noto Sans Devanagari"/>
+              </a:rPr>
+              <a:t>(Manual de Operaciones Componente Zonal, 2014)</a:t>
+            </a:r>
+          </a:p>
+          <a:p>
+            <a:pPr marL="539750" algn="just">
+              <a:lnSpc>
+                <a:spcPct val="200000"/>
+              </a:lnSpc>
+              <a:spcAft>
+                <a:spcPts val="0"/>
+              </a:spcAft>
+            </a:pPr>
+            <a:r>
+              <a:rPr lang="es-ES" sz="1200" kern="150" dirty="0">
+                <a:latin typeface="Roboto" panose="02000000000000000000"/>
+                <a:ea typeface="Source Han Sans CN"/>
+                <a:cs typeface="Noto Sans Devanagari"/>
+              </a:rPr>
+              <a:t>esta serie de elementos permiten direccionar al vehículo dentro de los servicios del patio dando prioridad a los autobuses que tengan menos intervenciones a realizar ofreciendo oportunidad de disponibilidad de los buses alimentadores al sistema sin embargo, este tipo de captura de información a la entrada y la salida se realiza de forma manual generando inconvenientes de movilidad publica.</a:t>
+            </a:r>
+          </a:p>
+          <a:p>
+            <a:pPr marL="539750" algn="just">
+              <a:lnSpc>
+                <a:spcPct val="200000"/>
+              </a:lnSpc>
+              <a:spcAft>
+                <a:spcPts val="0"/>
+              </a:spcAft>
+            </a:pPr>
+            <a:endParaRPr lang="es-CO" sz="1300" kern="150" dirty="0">
+              <a:latin typeface="Roboto" panose="02000000000000000000"/>
+              <a:ea typeface="Source Han Sans CN"/>
+              <a:cs typeface="Noto Sans Devanagari"/>
+            </a:endParaRPr>
+          </a:p>
+          <a:p>
+            <a:pPr marL="539750" algn="just">
+              <a:lnSpc>
+                <a:spcPct val="200000"/>
+              </a:lnSpc>
+              <a:spcAft>
+                <a:spcPts val="0"/>
+              </a:spcAft>
+            </a:pPr>
+            <a:endParaRPr lang="es-CO" sz="1300" kern="150" dirty="0">
+              <a:latin typeface="Roboto" panose="02000000000000000000"/>
+              <a:ea typeface="Source Han Sans CN"/>
+              <a:cs typeface="Noto Sans Devanagari"/>
+            </a:endParaRPr>
+          </a:p>
+        </p:txBody>
+      </p:sp>
+    </p:spTree>
+    <p:extLst>
+      <p:ext uri="{BB962C8B-B14F-4D97-AF65-F5344CB8AC3E}">
+        <p14:creationId xmlns:p14="http://schemas.microsoft.com/office/powerpoint/2010/main" val="1648721215"/>
+      </p:ext>
+    </p:extLst>
+  </p:cSld>
+  <p:clrMapOvr>
+    <a:masterClrMapping/>
+  </p:clrMapOvr>
+</p:sld>
+</file>
+
+<file path=ppt/slides/slide4.xml><?xml version="1.0" encoding="utf-8"?>
+<p:sld xmlns:a="http://schemas.openxmlformats.org/drawingml/2006/main" xmlns:r="http://schemas.openxmlformats.org/officeDocument/2006/relationships" xmlns:p="http://schemas.openxmlformats.org/presentationml/2006/main">
+  <p:cSld>
+    <p:spTree>
+      <p:nvGrpSpPr>
+        <p:cNvPr id="1" name=""/>
+        <p:cNvGrpSpPr/>
+        <p:nvPr/>
+      </p:nvGrpSpPr>
+      <p:grpSpPr>
+        <a:xfrm>
+          <a:off x="0" y="0"/>
+          <a:ext cx="0" cy="0"/>
+          <a:chOff x="0" y="0"/>
+          <a:chExt cx="0" cy="0"/>
+        </a:xfrm>
+      </p:grpSpPr>
+      <p:sp>
+        <p:nvSpPr>
+          <p:cNvPr id="2" name="CuadroTexto 1"/>
+          <p:cNvSpPr txBox="1"/>
+          <p:nvPr/>
+        </p:nvSpPr>
+        <p:spPr>
+          <a:xfrm>
+            <a:off x="509443" y="555030"/>
+            <a:ext cx="2389387" cy="369332"/>
+          </a:xfrm>
+          <a:prstGeom prst="rect">
+            <a:avLst/>
+          </a:prstGeom>
+          <a:noFill/>
+        </p:spPr>
+        <p:txBody>
+          <a:bodyPr wrap="square" rtlCol="0">
+            <a:spAutoFit/>
+          </a:bodyPr>
+          <a:lstStyle/>
+          <a:p>
+            <a:endParaRPr lang="es-ES" dirty="0">
+              <a:solidFill>
+                <a:schemeClr val="tx1">
+                  <a:lumMod val="75000"/>
+                  <a:lumOff val="25000"/>
+                </a:schemeClr>
+              </a:solidFill>
+            </a:endParaRPr>
+          </a:p>
+        </p:txBody>
+      </p:sp>
+      <p:sp>
+        <p:nvSpPr>
+          <p:cNvPr id="4" name="CuadroTexto 3">
+            <a:extLst>
+              <a:ext uri="{FF2B5EF4-FFF2-40B4-BE49-F238E27FC236}">
+                <a16:creationId xmlns:a16="http://schemas.microsoft.com/office/drawing/2014/main" id="{550F382D-5E69-45ED-A7FA-28FFA7034733}"/>
+              </a:ext>
+            </a:extLst>
+          </p:cNvPr>
+          <p:cNvSpPr txBox="1"/>
+          <p:nvPr/>
+        </p:nvSpPr>
+        <p:spPr>
+          <a:xfrm>
+            <a:off x="0" y="1164347"/>
+            <a:ext cx="3835838" cy="553998"/>
+          </a:xfrm>
+          <a:prstGeom prst="rect">
+            <a:avLst/>
+          </a:prstGeom>
+          <a:noFill/>
+        </p:spPr>
+        <p:txBody>
+          <a:bodyPr wrap="square" rtlCol="0">
+            <a:spAutoFit/>
+          </a:bodyPr>
+          <a:lstStyle/>
+          <a:p>
+            <a:pPr lvl="1"/>
+            <a:r>
+              <a:rPr lang="es-ES" sz="3000" b="1" dirty="0">
+                <a:solidFill>
+                  <a:schemeClr val="tx1">
+                    <a:lumMod val="75000"/>
+                    <a:lumOff val="25000"/>
+                  </a:schemeClr>
+                </a:solidFill>
+                <a:latin typeface="Roboto" panose="02000000000000000000" pitchFamily="2" charset="0"/>
+                <a:ea typeface="Roboto" panose="02000000000000000000" pitchFamily="2" charset="0"/>
+              </a:rPr>
+              <a:t>Objetivo General</a:t>
+            </a:r>
+          </a:p>
+        </p:txBody>
+      </p:sp>
+      <p:sp>
+        <p:nvSpPr>
+          <p:cNvPr id="5" name="CuadroTexto 4">
+            <a:extLst>
+              <a:ext uri="{FF2B5EF4-FFF2-40B4-BE49-F238E27FC236}">
+                <a16:creationId xmlns:a16="http://schemas.microsoft.com/office/drawing/2014/main" id="{550F382D-5E69-45ED-A7FA-28FFA7034733}"/>
+              </a:ext>
+            </a:extLst>
+          </p:cNvPr>
+          <p:cNvSpPr txBox="1"/>
+          <p:nvPr/>
+        </p:nvSpPr>
+        <p:spPr>
+          <a:xfrm>
+            <a:off x="0" y="2008739"/>
+            <a:ext cx="7474689" cy="692497"/>
+          </a:xfrm>
+          <a:prstGeom prst="rect">
+            <a:avLst/>
+          </a:prstGeom>
+          <a:noFill/>
+        </p:spPr>
+        <p:txBody>
+          <a:bodyPr wrap="square" rtlCol="0">
+            <a:spAutoFit/>
+          </a:bodyPr>
+          <a:lstStyle/>
+          <a:p>
+            <a:pPr lvl="1" algn="just"/>
+            <a:r>
+              <a:rPr lang="es-CO" sz="1300" dirty="0">
+                <a:latin typeface="Roboto" panose="02000000000000000000" pitchFamily="2" charset="0"/>
+                <a:ea typeface="Roboto" panose="02000000000000000000" pitchFamily="2" charset="0"/>
+              </a:rPr>
+              <a:t>Establecer un sistema de información que permita evidenciar el control y seguimiento en la   entrada, reposo y salida en el patio taller de los vehículos tipo alimentador en el patio taller bosa Brasil.</a:t>
+            </a:r>
+          </a:p>
+        </p:txBody>
+      </p:sp>
+    </p:spTree>
+    <p:extLst>
+      <p:ext uri="{BB962C8B-B14F-4D97-AF65-F5344CB8AC3E}">
+        <p14:creationId xmlns:p14="http://schemas.microsoft.com/office/powerpoint/2010/main" val="621392499"/>
+      </p:ext>
+    </p:extLst>
+  </p:cSld>
+  <p:clrMapOvr>
+    <a:masterClrMapping/>
+  </p:clrMapOvr>
+</p:sld>
+</file>
+
+<file path=ppt/slides/slide5.xml><?xml version="1.0" encoding="utf-8"?>
+<p:sld xmlns:a="http://schemas.openxmlformats.org/drawingml/2006/main" xmlns:r="http://schemas.openxmlformats.org/officeDocument/2006/relationships" xmlns:p="http://schemas.openxmlformats.org/presentationml/2006/main">
+  <p:cSld>
+    <p:spTree>
+      <p:nvGrpSpPr>
+        <p:cNvPr id="1" name=""/>
+        <p:cNvGrpSpPr/>
+        <p:nvPr/>
+      </p:nvGrpSpPr>
+      <p:grpSpPr>
+        <a:xfrm>
+          <a:off x="0" y="0"/>
+          <a:ext cx="0" cy="0"/>
+          <a:chOff x="0" y="0"/>
+          <a:chExt cx="0" cy="0"/>
+        </a:xfrm>
+      </p:grpSpPr>
+      <p:sp>
+        <p:nvSpPr>
+          <p:cNvPr id="4" name="CuadroTexto 3">
+            <a:extLst>
+              <a:ext uri="{FF2B5EF4-FFF2-40B4-BE49-F238E27FC236}">
+                <a16:creationId xmlns:a16="http://schemas.microsoft.com/office/drawing/2014/main" id="{550F382D-5E69-45ED-A7FA-28FFA7034733}"/>
+              </a:ext>
+            </a:extLst>
+          </p:cNvPr>
+          <p:cNvSpPr txBox="1"/>
+          <p:nvPr/>
+        </p:nvSpPr>
+        <p:spPr>
+          <a:xfrm>
+            <a:off x="0" y="740261"/>
+            <a:ext cx="5456769" cy="553998"/>
+          </a:xfrm>
+          <a:prstGeom prst="rect">
+            <a:avLst/>
+          </a:prstGeom>
+          <a:noFill/>
+        </p:spPr>
+        <p:txBody>
+          <a:bodyPr wrap="square" rtlCol="0">
+            <a:spAutoFit/>
+          </a:bodyPr>
+          <a:lstStyle/>
+          <a:p>
+            <a:pPr lvl="1"/>
+            <a:r>
+              <a:rPr lang="es-ES" sz="3000" b="1" dirty="0">
+                <a:solidFill>
+                  <a:schemeClr val="tx1">
+                    <a:lumMod val="75000"/>
+                    <a:lumOff val="25000"/>
+                  </a:schemeClr>
+                </a:solidFill>
+                <a:latin typeface="Roboto" panose="02000000000000000000" pitchFamily="2" charset="0"/>
+                <a:ea typeface="Roboto" panose="02000000000000000000" pitchFamily="2" charset="0"/>
+              </a:rPr>
+              <a:t>Objetivos Específicos</a:t>
+            </a:r>
+          </a:p>
+        </p:txBody>
+      </p:sp>
+      <p:sp>
+        <p:nvSpPr>
+          <p:cNvPr id="5" name="CuadroTexto 4">
+            <a:extLst>
+              <a:ext uri="{FF2B5EF4-FFF2-40B4-BE49-F238E27FC236}">
+                <a16:creationId xmlns:a16="http://schemas.microsoft.com/office/drawing/2014/main" id="{550F382D-5E69-45ED-A7FA-28FFA7034733}"/>
+              </a:ext>
+            </a:extLst>
+          </p:cNvPr>
+          <p:cNvSpPr txBox="1"/>
+          <p:nvPr/>
+        </p:nvSpPr>
+        <p:spPr>
+          <a:xfrm>
+            <a:off x="547697" y="1746748"/>
+            <a:ext cx="4361374" cy="1492716"/>
+          </a:xfrm>
+          <a:prstGeom prst="rect">
+            <a:avLst/>
+          </a:prstGeom>
+          <a:noFill/>
+        </p:spPr>
+        <p:txBody>
+          <a:bodyPr wrap="square" rtlCol="0">
+            <a:spAutoFit/>
+          </a:bodyPr>
+          <a:lstStyle/>
+          <a:p>
+            <a:pPr marL="285750" lvl="0" indent="-285750">
+              <a:buFont typeface="Arial" panose="020B0604020202020204" pitchFamily="34" charset="0"/>
+              <a:buChar char="•"/>
+            </a:pPr>
+            <a:r>
+              <a:rPr lang="es-CO" sz="1300" dirty="0">
+                <a:latin typeface="Roboto" panose="02000000000000000000" pitchFamily="2" charset="0"/>
+                <a:ea typeface="Roboto" panose="02000000000000000000" pitchFamily="2" charset="0"/>
+              </a:rPr>
+              <a:t>Registrar estado del vehículo en la entrada y salida del patio taller consorcio masivo capital</a:t>
+            </a:r>
+          </a:p>
+          <a:p>
+            <a:pPr marL="285750" lvl="0" indent="-285750">
+              <a:buFont typeface="Arial" panose="020B0604020202020204" pitchFamily="34" charset="0"/>
+              <a:buChar char="•"/>
+            </a:pPr>
+            <a:r>
+              <a:rPr lang="es-CO" sz="1300" dirty="0">
+                <a:latin typeface="Roboto" panose="02000000000000000000" pitchFamily="2" charset="0"/>
+                <a:ea typeface="Roboto" panose="02000000000000000000" pitchFamily="2" charset="0"/>
+              </a:rPr>
+              <a:t>Establecer seguimiento y control a los vehículos que ingresan y salen del patio taller</a:t>
+            </a:r>
+          </a:p>
+          <a:p>
+            <a:pPr marL="285750" lvl="0" indent="-285750" algn="just">
+              <a:buFont typeface="Arial" panose="020B0604020202020204" pitchFamily="34" charset="0"/>
+              <a:buChar char="•"/>
+            </a:pPr>
+            <a:r>
+              <a:rPr lang="es-CO" sz="1300" dirty="0">
+                <a:latin typeface="Roboto" panose="02000000000000000000" pitchFamily="2" charset="0"/>
+                <a:ea typeface="Roboto" panose="02000000000000000000" pitchFamily="2" charset="0"/>
+              </a:rPr>
+              <a:t>Establecer seguimiento y control cuando los vehículos hacen uso de los servicios de mantenimiento del patio taller Bosa Brasil  </a:t>
+            </a:r>
+          </a:p>
+        </p:txBody>
+      </p:sp>
+      <p:pic>
+        <p:nvPicPr>
+          <p:cNvPr id="6" name="Google Shape;46;p2" descr="Un dibujo de un personaje de caricatura&#10;&#10;Descripción generada automáticamente con confianza baja"/>
+          <p:cNvPicPr preferRelativeResize="0"/>
+          <p:nvPr/>
+        </p:nvPicPr>
+        <p:blipFill rotWithShape="1">
+          <a:blip r:embed="rId2">
+            <a:alphaModFix/>
+          </a:blip>
+          <a:srcRect/>
+          <a:stretch/>
+        </p:blipFill>
+        <p:spPr>
+          <a:xfrm>
+            <a:off x="6124979" y="1757545"/>
+            <a:ext cx="1637895" cy="1585072"/>
+          </a:xfrm>
+          <a:prstGeom prst="rect">
+            <a:avLst/>
+          </a:prstGeom>
+          <a:noFill/>
+          <a:ln>
+            <a:noFill/>
+          </a:ln>
+        </p:spPr>
+      </p:pic>
+    </p:spTree>
+    <p:extLst>
+      <p:ext uri="{BB962C8B-B14F-4D97-AF65-F5344CB8AC3E}">
+        <p14:creationId xmlns:p14="http://schemas.microsoft.com/office/powerpoint/2010/main" val="474744644"/>
+      </p:ext>
+    </p:extLst>
+  </p:cSld>
+  <p:clrMapOvr>
+    <a:masterClrMapping/>
+  </p:clrMapOvr>
+</p:sld>
+</file>
+
+<file path=ppt/slides/slide6.xml><?xml version="1.0" encoding="utf-8"?>
+<p:sld xmlns:a="http://schemas.openxmlformats.org/drawingml/2006/main" xmlns:r="http://schemas.openxmlformats.org/officeDocument/2006/relationships" xmlns:p="http://schemas.openxmlformats.org/presentationml/2006/main">
+  <p:cSld>
+    <p:spTree>
+      <p:nvGrpSpPr>
+        <p:cNvPr id="1" name=""/>
+        <p:cNvGrpSpPr/>
+        <p:nvPr/>
+      </p:nvGrpSpPr>
+      <p:grpSpPr>
+        <a:xfrm>
+          <a:off x="0" y="0"/>
+          <a:ext cx="0" cy="0"/>
+          <a:chOff x="0" y="0"/>
+          <a:chExt cx="0" cy="0"/>
+        </a:xfrm>
+      </p:grpSpPr>
+      <p:sp>
+        <p:nvSpPr>
+          <p:cNvPr id="2" name="CuadroTexto 1"/>
+          <p:cNvSpPr txBox="1"/>
+          <p:nvPr/>
+        </p:nvSpPr>
+        <p:spPr>
+          <a:xfrm>
+            <a:off x="509443" y="555030"/>
+            <a:ext cx="2389387" cy="369332"/>
+          </a:xfrm>
+          <a:prstGeom prst="rect">
+            <a:avLst/>
+          </a:prstGeom>
+          <a:noFill/>
+        </p:spPr>
+        <p:txBody>
+          <a:bodyPr wrap="square" rtlCol="0">
+            <a:spAutoFit/>
+          </a:bodyPr>
+          <a:lstStyle/>
+          <a:p>
+            <a:endParaRPr lang="es-ES" dirty="0">
+              <a:solidFill>
+                <a:schemeClr val="tx1">
+                  <a:lumMod val="75000"/>
+                  <a:lumOff val="25000"/>
+                </a:schemeClr>
+              </a:solidFill>
+            </a:endParaRPr>
+          </a:p>
+        </p:txBody>
+      </p:sp>
+      <p:sp>
+        <p:nvSpPr>
+          <p:cNvPr id="4" name="CuadroTexto 3">
+            <a:extLst>
+              <a:ext uri="{FF2B5EF4-FFF2-40B4-BE49-F238E27FC236}">
+                <a16:creationId xmlns:a16="http://schemas.microsoft.com/office/drawing/2014/main" id="{550F382D-5E69-45ED-A7FA-28FFA7034733}"/>
+              </a:ext>
+            </a:extLst>
+          </p:cNvPr>
+          <p:cNvSpPr txBox="1"/>
+          <p:nvPr/>
+        </p:nvSpPr>
+        <p:spPr>
+          <a:xfrm>
+            <a:off x="44371" y="370364"/>
+            <a:ext cx="4589974" cy="553998"/>
+          </a:xfrm>
+          <a:prstGeom prst="rect">
+            <a:avLst/>
+          </a:prstGeom>
+          <a:noFill/>
+        </p:spPr>
+        <p:txBody>
+          <a:bodyPr wrap="square" rtlCol="0">
+            <a:spAutoFit/>
+          </a:bodyPr>
+          <a:lstStyle/>
+          <a:p>
+            <a:pPr lvl="1"/>
+            <a:r>
+              <a:rPr lang="es-ES" sz="3000" b="1" dirty="0">
+                <a:solidFill>
+                  <a:schemeClr val="tx1">
+                    <a:lumMod val="75000"/>
+                    <a:lumOff val="25000"/>
+                  </a:schemeClr>
+                </a:solidFill>
+                <a:latin typeface="Roboto" panose="02000000000000000000" pitchFamily="2" charset="0"/>
+                <a:ea typeface="Roboto" panose="02000000000000000000" pitchFamily="2" charset="0"/>
+              </a:rPr>
+              <a:t>Mapa de Procesos</a:t>
+            </a:r>
+          </a:p>
+        </p:txBody>
+      </p:sp>
+      <p:pic>
+        <p:nvPicPr>
+          <p:cNvPr id="7" name="Google Shape;82;p6"/>
+          <p:cNvPicPr preferRelativeResize="0"/>
+          <p:nvPr/>
+        </p:nvPicPr>
+        <p:blipFill rotWithShape="1">
+          <a:blip r:embed="rId2">
+            <a:alphaModFix/>
+          </a:blip>
+          <a:srcRect/>
+          <a:stretch/>
+        </p:blipFill>
+        <p:spPr>
+          <a:xfrm>
+            <a:off x="1231270" y="924362"/>
+            <a:ext cx="6655429" cy="4034472"/>
+          </a:xfrm>
+          <a:prstGeom prst="rect">
+            <a:avLst/>
+          </a:prstGeom>
+          <a:noFill/>
+          <a:ln>
+            <a:noFill/>
+          </a:ln>
+        </p:spPr>
+      </p:pic>
+    </p:spTree>
+    <p:extLst>
+      <p:ext uri="{BB962C8B-B14F-4D97-AF65-F5344CB8AC3E}">
+        <p14:creationId xmlns:p14="http://schemas.microsoft.com/office/powerpoint/2010/main" val="2145206162"/>
+      </p:ext>
+    </p:extLst>
+  </p:cSld>
+  <p:clrMapOvr>
+    <a:masterClrMapping/>
+  </p:clrMapOvr>
+</p:sld>
+</file>
+
+<file path=ppt/slides/slide7.xml><?xml version="1.0" encoding="utf-8"?>
+<p:sld xmlns:a="http://schemas.openxmlformats.org/drawingml/2006/main" xmlns:r="http://schemas.openxmlformats.org/officeDocument/2006/relationships" xmlns:p="http://schemas.openxmlformats.org/presentationml/2006/main">
+  <p:cSld>
+    <p:spTree>
+      <p:nvGrpSpPr>
+        <p:cNvPr id="1" name=""/>
+        <p:cNvGrpSpPr/>
+        <p:nvPr/>
+      </p:nvGrpSpPr>
+      <p:grpSpPr>
+        <a:xfrm>
+          <a:off x="0" y="0"/>
+          <a:ext cx="0" cy="0"/>
+          <a:chOff x="0" y="0"/>
+          <a:chExt cx="0" cy="0"/>
+        </a:xfrm>
+      </p:grpSpPr>
+      <p:sp>
+        <p:nvSpPr>
+          <p:cNvPr id="2" name="CuadroTexto 1"/>
+          <p:cNvSpPr txBox="1"/>
+          <p:nvPr/>
+        </p:nvSpPr>
+        <p:spPr>
+          <a:xfrm>
+            <a:off x="509443" y="555030"/>
+            <a:ext cx="2389387" cy="369332"/>
+          </a:xfrm>
+          <a:prstGeom prst="rect">
+            <a:avLst/>
+          </a:prstGeom>
+          <a:noFill/>
+        </p:spPr>
+        <p:txBody>
+          <a:bodyPr wrap="square" rtlCol="0">
+            <a:spAutoFit/>
+          </a:bodyPr>
+          <a:lstStyle/>
+          <a:p>
+            <a:endParaRPr lang="es-ES" dirty="0">
+              <a:solidFill>
+                <a:schemeClr val="tx1">
+                  <a:lumMod val="75000"/>
+                  <a:lumOff val="25000"/>
+                </a:schemeClr>
+              </a:solidFill>
+            </a:endParaRPr>
+          </a:p>
+        </p:txBody>
+      </p:sp>
+      <p:sp>
+        <p:nvSpPr>
+          <p:cNvPr id="4" name="CuadroTexto 3">
+            <a:extLst>
+              <a:ext uri="{FF2B5EF4-FFF2-40B4-BE49-F238E27FC236}">
+                <a16:creationId xmlns:a16="http://schemas.microsoft.com/office/drawing/2014/main" id="{550F382D-5E69-45ED-A7FA-28FFA7034733}"/>
+              </a:ext>
+            </a:extLst>
+          </p:cNvPr>
+          <p:cNvSpPr txBox="1"/>
+          <p:nvPr/>
+        </p:nvSpPr>
+        <p:spPr>
+          <a:xfrm>
+            <a:off x="-213783" y="741636"/>
+            <a:ext cx="3835838" cy="553998"/>
+          </a:xfrm>
+          <a:prstGeom prst="rect">
+            <a:avLst/>
+          </a:prstGeom>
+          <a:noFill/>
+        </p:spPr>
+        <p:txBody>
+          <a:bodyPr wrap="square" rtlCol="0">
+            <a:spAutoFit/>
+          </a:bodyPr>
+          <a:lstStyle/>
+          <a:p>
+            <a:pPr lvl="1"/>
+            <a:r>
+              <a:rPr lang="es-ES" sz="3000" b="1" dirty="0">
+                <a:solidFill>
+                  <a:schemeClr val="tx1">
+                    <a:lumMod val="75000"/>
+                    <a:lumOff val="25000"/>
+                  </a:schemeClr>
+                </a:solidFill>
+                <a:latin typeface="Roboto" panose="02000000000000000000" pitchFamily="2" charset="0"/>
+                <a:ea typeface="Roboto" panose="02000000000000000000" pitchFamily="2" charset="0"/>
+              </a:rPr>
+              <a:t>Justificación</a:t>
+            </a:r>
+          </a:p>
+        </p:txBody>
+      </p:sp>
+      <p:sp>
+        <p:nvSpPr>
+          <p:cNvPr id="6" name="Rectángulo 5"/>
+          <p:cNvSpPr/>
+          <p:nvPr/>
+        </p:nvSpPr>
+        <p:spPr>
+          <a:xfrm>
+            <a:off x="323849" y="1409934"/>
+            <a:ext cx="3819525" cy="1323439"/>
+          </a:xfrm>
+          <a:prstGeom prst="rect">
+            <a:avLst/>
+          </a:prstGeom>
+        </p:spPr>
+        <p:txBody>
+          <a:bodyPr wrap="square">
+            <a:spAutoFit/>
+          </a:bodyPr>
+          <a:lstStyle/>
+          <a:p>
+            <a:pPr lvl="0">
+              <a:spcBef>
+                <a:spcPts val="1200"/>
+              </a:spcBef>
+              <a:spcAft>
+                <a:spcPts val="600"/>
+              </a:spcAft>
+              <a:buSzPts val="1200"/>
+            </a:pPr>
+            <a:r>
+              <a:rPr lang="es-CO" sz="1300" b="1" kern="100" dirty="0">
+                <a:latin typeface="Roboto" panose="02000000000000000000" pitchFamily="2" charset="0"/>
+                <a:ea typeface="Roboto" panose="02000000000000000000" pitchFamily="2" charset="0"/>
+                <a:cs typeface="Noto Sans Devanagari"/>
+              </a:rPr>
+              <a:t>¿Qué sucede?</a:t>
+            </a:r>
+          </a:p>
+          <a:p>
+            <a:pPr lvl="0" algn="just">
+              <a:spcBef>
+                <a:spcPts val="1200"/>
+              </a:spcBef>
+              <a:spcAft>
+                <a:spcPts val="600"/>
+              </a:spcAft>
+              <a:buSzPts val="1200"/>
+            </a:pPr>
+            <a:r>
+              <a:rPr lang="es-CO" sz="1300" kern="100" dirty="0">
+                <a:latin typeface="Roboto" panose="02000000000000000000" pitchFamily="2" charset="0"/>
+                <a:ea typeface="Roboto" panose="02000000000000000000" pitchFamily="2" charset="0"/>
+                <a:cs typeface="Wingdings" panose="05000000000000000000" pitchFamily="2" charset="2"/>
+              </a:rPr>
+              <a:t>La flota de 134 alimentadores de la zona de Kennedy central al llegar o salir del patio taller de bosa Brasil tienen inconvenientes para el registro y posterior seguimiento dentro del patio taller</a:t>
+            </a:r>
+          </a:p>
+        </p:txBody>
+      </p:sp>
+      <p:sp>
+        <p:nvSpPr>
+          <p:cNvPr id="7" name="Rectángulo 6"/>
+          <p:cNvSpPr/>
+          <p:nvPr/>
+        </p:nvSpPr>
+        <p:spPr>
+          <a:xfrm>
+            <a:off x="323850" y="2847371"/>
+            <a:ext cx="3819525" cy="1969770"/>
+          </a:xfrm>
+          <a:prstGeom prst="rect">
+            <a:avLst/>
+          </a:prstGeom>
+        </p:spPr>
+        <p:txBody>
+          <a:bodyPr wrap="square">
+            <a:spAutoFit/>
+          </a:bodyPr>
+          <a:lstStyle/>
+          <a:p>
+            <a:pPr lvl="0">
+              <a:spcBef>
+                <a:spcPts val="1200"/>
+              </a:spcBef>
+              <a:spcAft>
+                <a:spcPts val="600"/>
+              </a:spcAft>
+              <a:buSzPts val="1200"/>
+            </a:pPr>
+            <a:r>
+              <a:rPr lang="es-CO" sz="1300" b="1" kern="100" dirty="0">
+                <a:latin typeface="Roboto" panose="02000000000000000000" pitchFamily="2" charset="0"/>
+                <a:ea typeface="Roboto" panose="02000000000000000000" pitchFamily="2" charset="0"/>
+                <a:cs typeface="Noto Sans Devanagari"/>
+              </a:rPr>
+              <a:t>¿Por qué sucede?</a:t>
+            </a:r>
+          </a:p>
+          <a:p>
+            <a:pPr lvl="0" algn="just">
+              <a:spcAft>
+                <a:spcPts val="700"/>
+              </a:spcAft>
+              <a:tabLst>
+                <a:tab pos="457200" algn="l"/>
+              </a:tabLst>
+            </a:pPr>
+            <a:r>
+              <a:rPr lang="es-CO" sz="1300" kern="100" dirty="0">
+                <a:latin typeface="Roboto" panose="02000000000000000000" pitchFamily="2" charset="0"/>
+                <a:ea typeface="Roboto" panose="02000000000000000000" pitchFamily="2" charset="0"/>
+                <a:cs typeface="Wingdings" panose="05000000000000000000" pitchFamily="2" charset="2"/>
+              </a:rPr>
+              <a:t>Cuando llegan los alimentadores a patio por distintas razones tienen que primero aparcar en la entrada para la captura de los datos iniciales de entrada, se llena un formulario manual que debe ser registrado por un operador que aguarda en el patio a la llegada, esta situación ha causado represamiento porque deben aguardar turno para su ingreso</a:t>
+            </a:r>
+          </a:p>
+        </p:txBody>
+      </p:sp>
+      <p:sp>
+        <p:nvSpPr>
+          <p:cNvPr id="8" name="Rectángulo 7"/>
+          <p:cNvSpPr/>
+          <p:nvPr/>
+        </p:nvSpPr>
+        <p:spPr>
+          <a:xfrm>
+            <a:off x="4381500" y="1486877"/>
+            <a:ext cx="4572000" cy="1169551"/>
+          </a:xfrm>
+          <a:prstGeom prst="rect">
+            <a:avLst/>
+          </a:prstGeom>
+        </p:spPr>
+        <p:txBody>
+          <a:bodyPr>
+            <a:spAutoFit/>
+          </a:bodyPr>
+          <a:lstStyle/>
+          <a:p>
+            <a:pPr lvl="0">
+              <a:spcBef>
+                <a:spcPts val="1200"/>
+              </a:spcBef>
+              <a:spcAft>
+                <a:spcPts val="600"/>
+              </a:spcAft>
+              <a:buSzPts val="1200"/>
+            </a:pPr>
+            <a:r>
+              <a:rPr lang="es-CO" sz="1300" b="1" kern="100" dirty="0">
+                <a:latin typeface="Roboto" panose="02000000000000000000" pitchFamily="2" charset="0"/>
+                <a:ea typeface="Roboto" panose="02000000000000000000" pitchFamily="2" charset="0"/>
+                <a:cs typeface="Noto Sans Devanagari"/>
+              </a:rPr>
+              <a:t>¿A quien le sucede</a:t>
+            </a:r>
+          </a:p>
+          <a:p>
+            <a:pPr lvl="0" algn="just">
+              <a:spcAft>
+                <a:spcPts val="0"/>
+              </a:spcAft>
+              <a:tabLst>
+                <a:tab pos="457200" algn="l"/>
+              </a:tabLst>
+            </a:pPr>
+            <a:r>
+              <a:rPr lang="es-CO" sz="1300" kern="100" dirty="0">
+                <a:latin typeface="Roboto" panose="02000000000000000000" pitchFamily="2" charset="0"/>
+                <a:ea typeface="Roboto" panose="02000000000000000000" pitchFamily="2" charset="0"/>
+                <a:cs typeface="Wingdings" panose="05000000000000000000" pitchFamily="2" charset="2"/>
+              </a:rPr>
+              <a:t>Este problema le sucede al </a:t>
+            </a:r>
+            <a:r>
+              <a:rPr lang="es-CO" sz="1300" b="1" kern="100" dirty="0">
+                <a:latin typeface="Roboto" panose="02000000000000000000" pitchFamily="2" charset="0"/>
+                <a:ea typeface="Roboto" panose="02000000000000000000" pitchFamily="2" charset="0"/>
+                <a:cs typeface="Wingdings" panose="05000000000000000000" pitchFamily="2" charset="2"/>
+              </a:rPr>
+              <a:t>patio bosa Brasil ubicado en la dirección Bosa Brasil, Cl. 50a Sur ##89a-15, Bogotá</a:t>
+            </a:r>
+            <a:r>
+              <a:rPr lang="es-CO" sz="1300" kern="100" dirty="0">
+                <a:latin typeface="Roboto" panose="02000000000000000000" pitchFamily="2" charset="0"/>
+                <a:ea typeface="Roboto" panose="02000000000000000000" pitchFamily="2" charset="0"/>
+                <a:cs typeface="Wingdings" panose="05000000000000000000" pitchFamily="2" charset="2"/>
+              </a:rPr>
+              <a:t> pertenece al consorcio masivo capital ubicado en la ciudad de Bogotá.</a:t>
+            </a:r>
+            <a:r>
+              <a:rPr lang="es-CO" sz="1300" kern="100" dirty="0">
+                <a:latin typeface="Roboto" panose="02000000000000000000" pitchFamily="2" charset="0"/>
+                <a:ea typeface="Roboto" panose="02000000000000000000" pitchFamily="2" charset="0"/>
+                <a:cs typeface="Noto Sans Devanagari"/>
+              </a:rPr>
+              <a:t>(</a:t>
+            </a:r>
+            <a:r>
+              <a:rPr lang="es-CO" sz="1300" i="1" kern="100" dirty="0">
+                <a:latin typeface="Roboto" panose="02000000000000000000" pitchFamily="2" charset="0"/>
+                <a:ea typeface="Roboto" panose="02000000000000000000" pitchFamily="2" charset="0"/>
+                <a:cs typeface="Noto Sans Devanagari"/>
+              </a:rPr>
+              <a:t>Ubicación Patio Taller</a:t>
+            </a:r>
+            <a:r>
+              <a:rPr lang="es-CO" sz="1300" kern="100" dirty="0">
+                <a:latin typeface="Roboto" panose="02000000000000000000" pitchFamily="2" charset="0"/>
+                <a:ea typeface="Roboto" panose="02000000000000000000" pitchFamily="2" charset="0"/>
+                <a:cs typeface="Noto Sans Devanagari"/>
+              </a:rPr>
+              <a:t>, 2022).</a:t>
+            </a:r>
+          </a:p>
+        </p:txBody>
+      </p:sp>
+      <p:sp>
+        <p:nvSpPr>
+          <p:cNvPr id="9" name="Rectángulo 8"/>
+          <p:cNvSpPr/>
+          <p:nvPr/>
+        </p:nvSpPr>
+        <p:spPr>
+          <a:xfrm>
+            <a:off x="4381500" y="2866482"/>
+            <a:ext cx="4572000" cy="1169551"/>
+          </a:xfrm>
+          <a:prstGeom prst="rect">
+            <a:avLst/>
+          </a:prstGeom>
+        </p:spPr>
+        <p:txBody>
+          <a:bodyPr>
+            <a:spAutoFit/>
+          </a:bodyPr>
+          <a:lstStyle/>
+          <a:p>
+            <a:pPr lvl="0">
+              <a:spcBef>
+                <a:spcPts val="1200"/>
+              </a:spcBef>
+              <a:spcAft>
+                <a:spcPts val="600"/>
+              </a:spcAft>
+              <a:buSzPts val="1200"/>
+            </a:pPr>
+            <a:r>
+              <a:rPr lang="es-CO" sz="1300" b="1" kern="100" dirty="0">
+                <a:latin typeface="Roboto" panose="02000000000000000000" pitchFamily="2" charset="0"/>
+                <a:ea typeface="Roboto" panose="02000000000000000000" pitchFamily="2" charset="0"/>
+                <a:cs typeface="Noto Sans Devanagari"/>
+              </a:rPr>
+              <a:t>¿Cómo puedo solucionarlo?</a:t>
+            </a:r>
+          </a:p>
+          <a:p>
+            <a:pPr lvl="0" algn="just">
+              <a:spcAft>
+                <a:spcPts val="700"/>
+              </a:spcAft>
+              <a:tabLst>
+                <a:tab pos="457200" algn="l"/>
+              </a:tabLst>
+            </a:pPr>
+            <a:r>
+              <a:rPr lang="es-CO" sz="1300" kern="100" dirty="0">
+                <a:latin typeface="Roboto" panose="02000000000000000000" pitchFamily="2" charset="0"/>
+                <a:ea typeface="Roboto" panose="02000000000000000000" pitchFamily="2" charset="0"/>
+                <a:cs typeface="Wingdings" panose="05000000000000000000" pitchFamily="2" charset="2"/>
+              </a:rPr>
+              <a:t>Esta situación se puede resolver realizando un sistema de información que puede estar soportado en un sistema de cómputo que permita capturar, controlar y vigilar los alimentadores cuando ingresan o salen del patio.</a:t>
+            </a:r>
+          </a:p>
+        </p:txBody>
+      </p:sp>
+    </p:spTree>
+    <p:extLst>
+      <p:ext uri="{BB962C8B-B14F-4D97-AF65-F5344CB8AC3E}">
+        <p14:creationId xmlns:p14="http://schemas.microsoft.com/office/powerpoint/2010/main" val="2828335726"/>
+      </p:ext>
+    </p:extLst>
+  </p:cSld>
+  <p:clrMapOvr>
+    <a:masterClrMapping/>
+  </p:clrMapOvr>
+</p:sld>
+</file>
+
+<file path=ppt/slides/slide8.xml><?xml version="1.0" encoding="utf-8"?>
+<p:sld xmlns:a="http://schemas.openxmlformats.org/drawingml/2006/main" xmlns:r="http://schemas.openxmlformats.org/officeDocument/2006/relationships" xmlns:p="http://schemas.openxmlformats.org/presentationml/2006/main">
+  <p:cSld>
+    <p:spTree>
+      <p:nvGrpSpPr>
+        <p:cNvPr id="1" name=""/>
+        <p:cNvGrpSpPr/>
+        <p:nvPr/>
+      </p:nvGrpSpPr>
+      <p:grpSpPr>
+        <a:xfrm>
+          <a:off x="0" y="0"/>
+          <a:ext cx="0" cy="0"/>
+          <a:chOff x="0" y="0"/>
+          <a:chExt cx="0" cy="0"/>
+        </a:xfrm>
+      </p:grpSpPr>
+      <p:sp>
+        <p:nvSpPr>
+          <p:cNvPr id="2" name="CuadroTexto 1"/>
+          <p:cNvSpPr txBox="1"/>
+          <p:nvPr/>
+        </p:nvSpPr>
+        <p:spPr>
+          <a:xfrm>
+            <a:off x="509443" y="555030"/>
+            <a:ext cx="2389387" cy="369332"/>
+          </a:xfrm>
+          <a:prstGeom prst="rect">
+            <a:avLst/>
+          </a:prstGeom>
+          <a:noFill/>
+        </p:spPr>
+        <p:txBody>
+          <a:bodyPr wrap="square" rtlCol="0">
+            <a:spAutoFit/>
+          </a:bodyPr>
+          <a:lstStyle/>
+          <a:p>
+            <a:endParaRPr lang="es-ES" dirty="0">
+              <a:solidFill>
+                <a:schemeClr val="tx1">
+                  <a:lumMod val="75000"/>
+                  <a:lumOff val="25000"/>
+                </a:schemeClr>
+              </a:solidFill>
+            </a:endParaRPr>
+          </a:p>
+        </p:txBody>
+      </p:sp>
+      <p:sp>
+        <p:nvSpPr>
+          <p:cNvPr id="4" name="CuadroTexto 3">
+            <a:extLst>
+              <a:ext uri="{FF2B5EF4-FFF2-40B4-BE49-F238E27FC236}">
+                <a16:creationId xmlns:a16="http://schemas.microsoft.com/office/drawing/2014/main" id="{550F382D-5E69-45ED-A7FA-28FFA7034733}"/>
+              </a:ext>
+            </a:extLst>
+          </p:cNvPr>
+          <p:cNvSpPr txBox="1"/>
+          <p:nvPr/>
+        </p:nvSpPr>
+        <p:spPr>
+          <a:xfrm>
+            <a:off x="44371" y="370364"/>
+            <a:ext cx="4589974" cy="553998"/>
+          </a:xfrm>
+          <a:prstGeom prst="rect">
+            <a:avLst/>
+          </a:prstGeom>
+          <a:noFill/>
+        </p:spPr>
+        <p:txBody>
+          <a:bodyPr wrap="square" rtlCol="0">
+            <a:spAutoFit/>
+          </a:bodyPr>
+          <a:lstStyle/>
+          <a:p>
+            <a:pPr lvl="1"/>
+            <a:r>
+              <a:rPr lang="es-ES" sz="3000" b="1" dirty="0">
+                <a:solidFill>
+                  <a:schemeClr val="tx1">
+                    <a:lumMod val="75000"/>
+                    <a:lumOff val="25000"/>
+                  </a:schemeClr>
+                </a:solidFill>
+                <a:latin typeface="Roboto" panose="02000000000000000000" pitchFamily="2" charset="0"/>
+                <a:ea typeface="Roboto" panose="02000000000000000000" pitchFamily="2" charset="0"/>
+              </a:rPr>
+              <a:t>Conclusión</a:t>
+            </a:r>
+          </a:p>
+        </p:txBody>
+      </p:sp>
+      <p:sp>
+        <p:nvSpPr>
+          <p:cNvPr id="7" name="Rectángulo 6">
+            <a:extLst>
+              <a:ext uri="{FF2B5EF4-FFF2-40B4-BE49-F238E27FC236}">
+                <a16:creationId xmlns:a16="http://schemas.microsoft.com/office/drawing/2014/main" id="{CC32F8A3-4889-45D7-9FAE-5465547A2AD8}"/>
+              </a:ext>
+            </a:extLst>
+          </p:cNvPr>
+          <p:cNvSpPr/>
+          <p:nvPr/>
+        </p:nvSpPr>
+        <p:spPr>
+          <a:xfrm>
+            <a:off x="63795" y="1109028"/>
+            <a:ext cx="7921061" cy="3652090"/>
+          </a:xfrm>
+          <a:prstGeom prst="rect">
+            <a:avLst/>
+          </a:prstGeom>
+        </p:spPr>
+        <p:txBody>
+          <a:bodyPr wrap="square">
+            <a:spAutoFit/>
+          </a:bodyPr>
+          <a:lstStyle/>
+          <a:p>
+            <a:pPr marL="628650" lvl="1" indent="-171450" algn="just">
+              <a:lnSpc>
+                <a:spcPct val="200000"/>
+              </a:lnSpc>
+              <a:spcAft>
+                <a:spcPts val="700"/>
+              </a:spcAft>
+              <a:buFont typeface="Arial" panose="020B0604020202020204" pitchFamily="34" charset="0"/>
+              <a:buChar char="•"/>
+              <a:tabLst>
+                <a:tab pos="1225550" algn="l"/>
+              </a:tabLst>
+            </a:pPr>
+            <a:r>
+              <a:rPr lang="es-CO" sz="1400" kern="100" dirty="0">
+                <a:latin typeface="Roboto" panose="02000000000000000000"/>
+                <a:ea typeface="Source Han Sans CN"/>
+                <a:cs typeface="OpenSymbol"/>
+              </a:rPr>
+              <a:t>Para poder buscar una necesidad primero hay que buscarla, existen tantas necesidades que ofrecen solución con tratamiento de datos que no las podemos ver, por tanto debe ser primordial buscar el beneficio en comunidad para poder tener un panorama amplio del tema</a:t>
+            </a:r>
+          </a:p>
+          <a:p>
+            <a:pPr marL="628650" lvl="1" indent="-171450" algn="just">
+              <a:lnSpc>
+                <a:spcPct val="200000"/>
+              </a:lnSpc>
+              <a:spcAft>
+                <a:spcPts val="700"/>
+              </a:spcAft>
+              <a:buFont typeface="Arial" panose="020B0604020202020204" pitchFamily="34" charset="0"/>
+              <a:buChar char="•"/>
+              <a:tabLst>
+                <a:tab pos="1225550" algn="l"/>
+              </a:tabLst>
+            </a:pPr>
+            <a:r>
+              <a:rPr lang="es-CO" sz="1400" kern="100" dirty="0">
+                <a:latin typeface="Roboto" panose="02000000000000000000"/>
+                <a:ea typeface="Source Han Sans CN"/>
+                <a:cs typeface="OpenSymbol"/>
+              </a:rPr>
+              <a:t>Analizar la situación y diagnosticar el estatus de un entidad o sujeto real o abstracto es fundamental en el planteamiento conceptual del investigador </a:t>
+            </a:r>
+          </a:p>
+          <a:p>
+            <a:pPr marL="628650" lvl="1" indent="-171450" algn="just">
+              <a:lnSpc>
+                <a:spcPct val="200000"/>
+              </a:lnSpc>
+              <a:spcAft>
+                <a:spcPts val="700"/>
+              </a:spcAft>
+              <a:buFont typeface="Arial" panose="020B0604020202020204" pitchFamily="34" charset="0"/>
+              <a:buChar char="•"/>
+              <a:tabLst>
+                <a:tab pos="1225550" algn="l"/>
+              </a:tabLst>
+            </a:pPr>
+            <a:r>
+              <a:rPr lang="es-CO" sz="1400" kern="100" dirty="0">
+                <a:latin typeface="Roboto" panose="02000000000000000000"/>
+                <a:ea typeface="Source Han Sans CN"/>
+                <a:cs typeface="OpenSymbol"/>
+              </a:rPr>
+              <a:t>para mejorar deben existir cifras por lo tanto la estadística es un factor crucial para el escarnio o aprobación de cualquier proyecto</a:t>
+            </a:r>
+            <a:endParaRPr lang="es-CO" sz="1400" kern="100" dirty="0">
+              <a:effectLst/>
+              <a:latin typeface="Roboto" panose="02000000000000000000"/>
+              <a:ea typeface="Source Han Sans CN"/>
+              <a:cs typeface="OpenSymbol"/>
+            </a:endParaRPr>
+          </a:p>
+        </p:txBody>
+      </p:sp>
+    </p:spTree>
+    <p:extLst>
+      <p:ext uri="{BB962C8B-B14F-4D97-AF65-F5344CB8AC3E}">
+        <p14:creationId xmlns:p14="http://schemas.microsoft.com/office/powerpoint/2010/main" val="2351621437"/>
+      </p:ext>
+    </p:extLst>
+  </p:cSld>
+  <p:clrMapOvr>
+    <a:masterClrMapping/>
+  </p:clrMapOvr>
+</p:sld>
+</file>
+
+<file path=ppt/slides/slide9.xml><?xml version="1.0" encoding="utf-8"?>
+<p:sld xmlns:a="http://schemas.openxmlformats.org/drawingml/2006/main" xmlns:r="http://schemas.openxmlformats.org/officeDocument/2006/relationships" xmlns:p="http://schemas.openxmlformats.org/presentationml/2006/main">
+  <p:cSld>
+    <p:spTree>
+      <p:nvGrpSpPr>
+        <p:cNvPr id="1" name=""/>
+        <p:cNvGrpSpPr/>
+        <p:nvPr/>
+      </p:nvGrpSpPr>
+      <p:grpSpPr>
+        <a:xfrm>
+          <a:off x="0" y="0"/>
+          <a:ext cx="0" cy="0"/>
+          <a:chOff x="0" y="0"/>
+          <a:chExt cx="0" cy="0"/>
+        </a:xfrm>
+      </p:grpSpPr>
+      <p:sp>
+        <p:nvSpPr>
+          <p:cNvPr id="2" name="CuadroTexto 1"/>
+          <p:cNvSpPr txBox="1"/>
+          <p:nvPr/>
+        </p:nvSpPr>
+        <p:spPr>
+          <a:xfrm>
+            <a:off x="509443" y="555030"/>
+            <a:ext cx="2389387" cy="369332"/>
+          </a:xfrm>
+          <a:prstGeom prst="rect">
+            <a:avLst/>
+          </a:prstGeom>
+          <a:noFill/>
+        </p:spPr>
+        <p:txBody>
+          <a:bodyPr wrap="square" rtlCol="0">
+            <a:spAutoFit/>
+          </a:bodyPr>
+          <a:lstStyle/>
+          <a:p>
+            <a:endParaRPr lang="es-ES" dirty="0">
+              <a:solidFill>
+                <a:schemeClr val="tx1">
+                  <a:lumMod val="75000"/>
+                  <a:lumOff val="25000"/>
+                </a:schemeClr>
+              </a:solidFill>
+            </a:endParaRPr>
+          </a:p>
+        </p:txBody>
+      </p:sp>
+      <p:sp>
+        <p:nvSpPr>
+          <p:cNvPr id="4" name="CuadroTexto 3">
+            <a:extLst>
+              <a:ext uri="{FF2B5EF4-FFF2-40B4-BE49-F238E27FC236}">
+                <a16:creationId xmlns:a16="http://schemas.microsoft.com/office/drawing/2014/main" id="{550F382D-5E69-45ED-A7FA-28FFA7034733}"/>
+              </a:ext>
+            </a:extLst>
+          </p:cNvPr>
+          <p:cNvSpPr txBox="1"/>
+          <p:nvPr/>
+        </p:nvSpPr>
+        <p:spPr>
+          <a:xfrm>
+            <a:off x="44371" y="759186"/>
+            <a:ext cx="4589974" cy="553998"/>
+          </a:xfrm>
+          <a:prstGeom prst="rect">
+            <a:avLst/>
+          </a:prstGeom>
+          <a:noFill/>
+        </p:spPr>
+        <p:txBody>
+          <a:bodyPr wrap="square" rtlCol="0">
+            <a:spAutoFit/>
+          </a:bodyPr>
+          <a:lstStyle/>
+          <a:p>
+            <a:pPr lvl="1"/>
+            <a:r>
+              <a:rPr lang="es-ES" sz="3000" b="1" dirty="0">
+                <a:solidFill>
+                  <a:schemeClr val="tx1">
+                    <a:lumMod val="75000"/>
+                    <a:lumOff val="25000"/>
+                  </a:schemeClr>
+                </a:solidFill>
+                <a:latin typeface="Roboto" panose="02000000000000000000" pitchFamily="2" charset="0"/>
+                <a:ea typeface="Roboto" panose="02000000000000000000" pitchFamily="2" charset="0"/>
+              </a:rPr>
+              <a:t>Alcance</a:t>
+            </a:r>
+          </a:p>
+        </p:txBody>
+      </p:sp>
+      <p:sp>
+        <p:nvSpPr>
+          <p:cNvPr id="3" name="Rectángulo 2">
+            <a:extLst>
+              <a:ext uri="{FF2B5EF4-FFF2-40B4-BE49-F238E27FC236}">
+                <a16:creationId xmlns:a16="http://schemas.microsoft.com/office/drawing/2014/main" id="{FD3C00FC-71BA-4C73-B529-B67D22EFFD64}"/>
+              </a:ext>
+            </a:extLst>
+          </p:cNvPr>
+          <p:cNvSpPr/>
+          <p:nvPr/>
+        </p:nvSpPr>
+        <p:spPr>
+          <a:xfrm>
+            <a:off x="0" y="1424092"/>
+            <a:ext cx="8984512" cy="1630703"/>
+          </a:xfrm>
+          <a:prstGeom prst="rect">
+            <a:avLst/>
+          </a:prstGeom>
+        </p:spPr>
+        <p:txBody>
+          <a:bodyPr wrap="square">
+            <a:spAutoFit/>
+          </a:bodyPr>
+          <a:lstStyle/>
+          <a:p>
+            <a:pPr marL="539750" algn="just">
+              <a:lnSpc>
+                <a:spcPct val="200000"/>
+              </a:lnSpc>
+              <a:spcAft>
+                <a:spcPts val="0"/>
+              </a:spcAft>
+            </a:pPr>
+            <a:r>
+              <a:rPr lang="es-CO" sz="1300" kern="150" dirty="0">
+                <a:latin typeface="Roboto" panose="02000000000000000000"/>
+                <a:ea typeface="Source Han Sans CN"/>
+                <a:cs typeface="Noto Sans Devanagari"/>
+              </a:rPr>
+              <a:t>El alcance del proyecto inicia siendo de tipo descriptivo porque existen datos asociados al funcionamiento de la disponibilidad de los autobuses de tipo alimentador y nivel de accidentalidad.</a:t>
+            </a:r>
+          </a:p>
+          <a:p>
+            <a:pPr marL="539750" algn="just">
+              <a:lnSpc>
+                <a:spcPct val="200000"/>
+              </a:lnSpc>
+              <a:spcAft>
+                <a:spcPts val="0"/>
+              </a:spcAft>
+            </a:pPr>
+            <a:r>
+              <a:rPr lang="es-CO" sz="1300" kern="150" dirty="0">
+                <a:latin typeface="Roboto" panose="02000000000000000000"/>
+                <a:ea typeface="Source Han Sans CN"/>
+                <a:cs typeface="Noto Sans Devanagari"/>
+              </a:rPr>
+              <a:t>También tendrá un enfoque correccional porque la disponibilidad de la flota va muy ligada con la calidad del servicio de transporte de alimentadores de la ruta 9-5 av. Villavicencio</a:t>
+            </a:r>
+          </a:p>
+        </p:txBody>
+      </p:sp>
+    </p:spTree>
+    <p:extLst>
+      <p:ext uri="{BB962C8B-B14F-4D97-AF65-F5344CB8AC3E}">
+        <p14:creationId xmlns:p14="http://schemas.microsoft.com/office/powerpoint/2010/main" val="2700869050"/>
+      </p:ext>
+    </p:extLst>
+  </p:cSld>
+  <p:clrMapOvr>
+    <a:masterClrMapping/>
+  </p:clrMapOvr>
 </p:sld>
 </file>
 
@@ -4514,4 +4641,299 @@
   </a:objectDefaults>
   <a:extraClrSchemeLst/>
 </a:theme>
+</file>
+
+<file path=ppt/theme/theme2.xml><?xml version="1.0" encoding="utf-8"?>
+<a:theme xmlns:a="http://schemas.openxmlformats.org/drawingml/2006/main" name="Tema de Office">
+  <a:themeElements>
+    <a:clrScheme name="Office">
+      <a:dk1>
+        <a:sysClr val="windowText" lastClr="000000"/>
+      </a:dk1>
+      <a:lt1>
+        <a:sysClr val="window" lastClr="FFFFFF"/>
+      </a:lt1>
+      <a:dk2>
+        <a:srgbClr val="44546A"/>
+      </a:dk2>
+      <a:lt2>
+        <a:srgbClr val="E7E6E6"/>
+      </a:lt2>
+      <a:accent1>
+        <a:srgbClr val="4472C4"/>
+      </a:accent1>
+      <a:accent2>
+        <a:srgbClr val="ED7D31"/>
+      </a:accent2>
+      <a:accent3>
+        <a:srgbClr val="A5A5A5"/>
+      </a:accent3>
+      <a:accent4>
+        <a:srgbClr val="FFC000"/>
+      </a:accent4>
+      <a:accent5>
+        <a:srgbClr val="5B9BD5"/>
+      </a:accent5>
+      <a:accent6>
+        <a:srgbClr val="70AD47"/>
+      </a:accent6>
+      <a:hlink>
+        <a:srgbClr val="0563C1"/>
+      </a:hlink>
+      <a:folHlink>
+        <a:srgbClr val="954F72"/>
+      </a:folHlink>
+    </a:clrScheme>
+    <a:fontScheme name="Office">
+      <a:majorFont>
+        <a:latin typeface="Calibri Light" panose="020F0302020204030204"/>
+        <a:ea typeface=""/>
+        <a:cs typeface=""/>
+        <a:font script="Jpan" typeface="游ゴシック Light"/>
+        <a:font script="Hang" typeface="맑은 고딕"/>
+        <a:font script="Hans" typeface="等线 Light"/>
+        <a:font script="Hant" typeface="新細明體"/>
+        <a:font script="Arab" typeface="Times New Roman"/>
+        <a:font script="Hebr" typeface="Times New Roman"/>
+        <a:font script="Thai" typeface="Angsana New"/>
+        <a:font script="Ethi" typeface="Nyala"/>
+        <a:font script="Beng" typeface="Vrinda"/>
+        <a:font script="Gujr" typeface="Shruti"/>
+        <a:font script="Khmr" typeface="MoolBoran"/>
+        <a:font script="Knda" typeface="Tunga"/>
+        <a:font script="Guru" typeface="Raavi"/>
+        <a:font script="Cans" typeface="Euphemia"/>
+        <a:font script="Cher" typeface="Plantagenet Cherokee"/>
+        <a:font script="Yiii" typeface="Microsoft Yi Baiti"/>
+        <a:font script="Tibt" typeface="Microsoft Himalaya"/>
+        <a:font script="Thaa" typeface="MV Boli"/>
+        <a:font script="Deva" typeface="Mangal"/>
+        <a:font script="Telu" typeface="Gautami"/>
+        <a:font script="Taml" typeface="Latha"/>
+        <a:font script="Syrc" typeface="Estrangelo Edessa"/>
+        <a:font script="Orya" typeface="Kalinga"/>
+        <a:font script="Mlym" typeface="Kartika"/>
+        <a:font script="Laoo" typeface="DokChampa"/>
+        <a:font script="Sinh" typeface="Iskoola Pota"/>
+        <a:font script="Mong" typeface="Mongolian Baiti"/>
+        <a:font script="Viet" typeface="Times New Roman"/>
+        <a:font script="Uigh" typeface="Microsoft Uighur"/>
+        <a:font script="Geor" typeface="Sylfaen"/>
+        <a:font script="Armn" typeface="Arial"/>
+        <a:font script="Bugi" typeface="Leelawadee UI"/>
+        <a:font script="Bopo" typeface="Microsoft JhengHei"/>
+        <a:font script="Java" typeface="Javanese Text"/>
+        <a:font script="Lisu" typeface="Segoe UI"/>
+        <a:font script="Mymr" typeface="Myanmar Text"/>
+        <a:font script="Nkoo" typeface="Ebrima"/>
+        <a:font script="Olck" typeface="Nirmala UI"/>
+        <a:font script="Osma" typeface="Ebrima"/>
+        <a:font script="Phag" typeface="Phagspa"/>
+        <a:font script="Syrn" typeface="Estrangelo Edessa"/>
+        <a:font script="Syrj" typeface="Estrangelo Edessa"/>
+        <a:font script="Syre" typeface="Estrangelo Edessa"/>
+        <a:font script="Sora" typeface="Nirmala UI"/>
+        <a:font script="Tale" typeface="Microsoft Tai Le"/>
+        <a:font script="Talu" typeface="Microsoft New Tai Lue"/>
+        <a:font script="Tfng" typeface="Ebrima"/>
+      </a:majorFont>
+      <a:minorFont>
+        <a:latin typeface="Calibri" panose="020F0502020204030204"/>
+        <a:ea typeface=""/>
+        <a:cs typeface=""/>
+        <a:font script="Jpan" typeface="游ゴシック"/>
+        <a:font script="Hang" typeface="맑은 고딕"/>
+        <a:font script="Hans" typeface="等线"/>
+        <a:font script="Hant" typeface="新細明體"/>
+        <a:font script="Arab" typeface="Arial"/>
+        <a:font script="Hebr" typeface="Arial"/>
+        <a:font script="Thai" typeface="Cordia New"/>
+        <a:font script="Ethi" typeface="Nyala"/>
+        <a:font script="Beng" typeface="Vrinda"/>
+        <a:font script="Gujr" typeface="Shruti"/>
+        <a:font script="Khmr" typeface="DaunPenh"/>
+        <a:font script="Knda" typeface="Tunga"/>
+        <a:font script="Guru" typeface="Raavi"/>
+        <a:font script="Cans" typeface="Euphemia"/>
+        <a:font script="Cher" typeface="Plantagenet Cherokee"/>
+        <a:font script="Yiii" typeface="Microsoft Yi Baiti"/>
+        <a:font script="Tibt" typeface="Microsoft Himalaya"/>
+        <a:font script="Thaa" typeface="MV Boli"/>
+        <a:font script="Deva" typeface="Mangal"/>
+        <a:font script="Telu" typeface="Gautami"/>
+        <a:font script="Taml" typeface="Latha"/>
+        <a:font script="Syrc" typeface="Estrangelo Edessa"/>
+        <a:font script="Orya" typeface="Kalinga"/>
+        <a:font script="Mlym" typeface="Kartika"/>
+        <a:font script="Laoo" typeface="DokChampa"/>
+        <a:font script="Sinh" typeface="Iskoola Pota"/>
+        <a:font script="Mong" typeface="Mongolian Baiti"/>
+        <a:font script="Viet" typeface="Arial"/>
+        <a:font script="Uigh" typeface="Microsoft Uighur"/>
+        <a:font script="Geor" typeface="Sylfaen"/>
+        <a:font script="Armn" typeface="Arial"/>
+        <a:font script="Bugi" typeface="Leelawadee UI"/>
+        <a:font script="Bopo" typeface="Microsoft JhengHei"/>
+        <a:font script="Java" typeface="Javanese Text"/>
+        <a:font script="Lisu" typeface="Segoe UI"/>
+        <a:font script="Mymr" typeface="Myanmar Text"/>
+        <a:font script="Nkoo" typeface="Ebrima"/>
+        <a:font script="Olck" typeface="Nirmala UI"/>
+        <a:font script="Osma" typeface="Ebrima"/>
+        <a:font script="Phag" typeface="Phagspa"/>
+        <a:font script="Syrn" typeface="Estrangelo Edessa"/>
+        <a:font script="Syrj" typeface="Estrangelo Edessa"/>
+        <a:font script="Syre" typeface="Estrangelo Edessa"/>
+        <a:font script="Sora" typeface="Nirmala UI"/>
+        <a:font script="Tale" typeface="Microsoft Tai Le"/>
+        <a:font script="Talu" typeface="Microsoft New Tai Lue"/>
+        <a:font script="Tfng" typeface="Ebrima"/>
+      </a:minorFont>
+    </a:fontScheme>
+    <a:fmtScheme name="Office">
+      <a:fillStyleLst>
+        <a:solidFill>
+          <a:schemeClr val="phClr"/>
+        </a:solidFill>
+        <a:gradFill rotWithShape="1">
+          <a:gsLst>
+            <a:gs pos="0">
+              <a:schemeClr val="phClr">
+                <a:lumMod val="110000"/>
+                <a:satMod val="105000"/>
+                <a:tint val="67000"/>
+              </a:schemeClr>
+            </a:gs>
+            <a:gs pos="50000">
+              <a:schemeClr val="phClr">
+                <a:lumMod val="105000"/>
+                <a:satMod val="103000"/>
+                <a:tint val="73000"/>
+              </a:schemeClr>
+            </a:gs>
+            <a:gs pos="100000">
+              <a:schemeClr val="phClr">
+                <a:lumMod val="105000"/>
+                <a:satMod val="109000"/>
+                <a:tint val="81000"/>
+              </a:schemeClr>
+            </a:gs>
+          </a:gsLst>
+          <a:lin ang="5400000" scaled="0"/>
+        </a:gradFill>
+        <a:gradFill rotWithShape="1">
+          <a:gsLst>
+            <a:gs pos="0">
+              <a:schemeClr val="phClr">
+                <a:satMod val="103000"/>
+                <a:lumMod val="102000"/>
+                <a:tint val="94000"/>
+              </a:schemeClr>
+            </a:gs>
+            <a:gs pos="50000">
+              <a:schemeClr val="phClr">
+                <a:satMod val="110000"/>
+                <a:lumMod val="100000"/>
+                <a:shade val="100000"/>
+              </a:schemeClr>
+            </a:gs>
+            <a:gs pos="100000">
+              <a:schemeClr val="phClr">
+                <a:lumMod val="99000"/>
+                <a:satMod val="120000"/>
+                <a:shade val="78000"/>
+              </a:schemeClr>
+            </a:gs>
+          </a:gsLst>
+          <a:lin ang="5400000" scaled="0"/>
+        </a:gradFill>
+      </a:fillStyleLst>
+      <a:lnStyleLst>
+        <a:ln w="6350" cap="flat" cmpd="sng" algn="ctr">
+          <a:solidFill>
+            <a:schemeClr val="phClr"/>
+          </a:solidFill>
+          <a:prstDash val="solid"/>
+          <a:miter lim="800000"/>
+        </a:ln>
+        <a:ln w="12700" cap="flat" cmpd="sng" algn="ctr">
+          <a:solidFill>
+            <a:schemeClr val="phClr"/>
+          </a:solidFill>
+          <a:prstDash val="solid"/>
+          <a:miter lim="800000"/>
+        </a:ln>
+        <a:ln w="19050" cap="flat" cmpd="sng" algn="ctr">
+          <a:solidFill>
+            <a:schemeClr val="phClr"/>
+          </a:solidFill>
+          <a:prstDash val="solid"/>
+          <a:miter lim="800000"/>
+        </a:ln>
+      </a:lnStyleLst>
+      <a:effectStyleLst>
+        <a:effectStyle>
+          <a:effectLst/>
+        </a:effectStyle>
+        <a:effectStyle>
+          <a:effectLst/>
+        </a:effectStyle>
+        <a:effectStyle>
+          <a:effectLst>
+            <a:outerShdw blurRad="57150" dist="19050" dir="5400000" algn="ctr" rotWithShape="0">
+              <a:srgbClr val="000000">
+                <a:alpha val="63000"/>
+              </a:srgbClr>
+            </a:outerShdw>
+          </a:effectLst>
+        </a:effectStyle>
+      </a:effectStyleLst>
+      <a:bgFillStyleLst>
+        <a:solidFill>
+          <a:schemeClr val="phClr"/>
+        </a:solidFill>
+        <a:solidFill>
+          <a:schemeClr val="phClr">
+            <a:tint val="95000"/>
+            <a:satMod val="170000"/>
+          </a:schemeClr>
+        </a:solidFill>
+        <a:gradFill rotWithShape="1">
+          <a:gsLst>
+            <a:gs pos="0">
+              <a:schemeClr val="phClr">
+                <a:tint val="93000"/>
+                <a:satMod val="150000"/>
+                <a:shade val="98000"/>
+                <a:lumMod val="102000"/>
+              </a:schemeClr>
+            </a:gs>
+            <a:gs pos="50000">
+              <a:schemeClr val="phClr">
+                <a:tint val="98000"/>
+                <a:satMod val="130000"/>
+                <a:shade val="90000"/>
+                <a:lumMod val="103000"/>
+              </a:schemeClr>
+            </a:gs>
+            <a:gs pos="100000">
+              <a:schemeClr val="phClr">
+                <a:shade val="63000"/>
+                <a:satMod val="120000"/>
+              </a:schemeClr>
+            </a:gs>
+          </a:gsLst>
+          <a:lin ang="5400000" scaled="0"/>
+        </a:gradFill>
+      </a:bgFillStyleLst>
+    </a:fmtScheme>
+  </a:themeElements>
+  <a:objectDefaults/>
+  <a:extraClrSchemeLst/>
+  <a:extLst>
+    <a:ext uri="{05A4C25C-085E-4340-85A3-A5531E510DB2}">
+      <thm15:themeFamily xmlns:thm15="http://schemas.microsoft.com/office/thememl/2012/main" name="Office Theme" id="{62F939B6-93AF-4DB8-9C6B-D6C7DFDC589F}" vid="{4A3C46E8-61CC-4603-A589-7422A47A8E4A}"/>
+    </a:ext>
+  </a:extLst>
+</a:theme>
 </file>